--- a/JavaScript-Functions.pptx
+++ b/JavaScript-Functions.pptx
@@ -5,7 +5,7 @@
     <p:sldMasterId id="2147483659" r:id="rId1"/>
   </p:sldMasterIdLst>
   <p:notesMasterIdLst>
-    <p:notesMasterId r:id="rId11"/>
+    <p:notesMasterId r:id="rId17"/>
   </p:notesMasterIdLst>
   <p:sldIdLst>
     <p:sldId id="256" r:id="rId2"/>
@@ -17,16 +17,43 @@
     <p:sldId id="267" r:id="rId8"/>
     <p:sldId id="272" r:id="rId9"/>
     <p:sldId id="273" r:id="rId10"/>
+    <p:sldId id="274" r:id="rId11"/>
+    <p:sldId id="275" r:id="rId12"/>
+    <p:sldId id="276" r:id="rId13"/>
+    <p:sldId id="277" r:id="rId14"/>
+    <p:sldId id="278" r:id="rId15"/>
+    <p:sldId id="279" r:id="rId16"/>
   </p:sldIdLst>
   <p:sldSz cx="9144000" cy="5143500" type="screen16x9"/>
   <p:notesSz cx="6858000" cy="9144000"/>
   <p:embeddedFontLst>
     <p:embeddedFont>
+      <p:font typeface="Verdana" panose="020B0604030504040204" pitchFamily="34" charset="0"/>
+      <p:regular r:id="rId18"/>
+      <p:bold r:id="rId19"/>
+      <p:italic r:id="rId20"/>
+      <p:boldItalic r:id="rId21"/>
+    </p:embeddedFont>
+    <p:embeddedFont>
+      <p:font typeface="Segoe UI" panose="020B0502040204020203" pitchFamily="34" charset="0"/>
+      <p:regular r:id="rId22"/>
+      <p:bold r:id="rId23"/>
+      <p:italic r:id="rId24"/>
+      <p:boldItalic r:id="rId25"/>
+    </p:embeddedFont>
+    <p:embeddedFont>
+      <p:font typeface="Consolas" panose="020B0609020204030204" pitchFamily="49" charset="0"/>
+      <p:regular r:id="rId26"/>
+      <p:bold r:id="rId27"/>
+      <p:italic r:id="rId28"/>
+      <p:boldItalic r:id="rId29"/>
+    </p:embeddedFont>
+    <p:embeddedFont>
       <p:font typeface="Roboto" panose="020B0604020202020204" charset="0"/>
-      <p:regular r:id="rId12"/>
-      <p:bold r:id="rId13"/>
-      <p:italic r:id="rId14"/>
-      <p:boldItalic r:id="rId15"/>
+      <p:regular r:id="rId30"/>
+      <p:bold r:id="rId31"/>
+      <p:italic r:id="rId32"/>
+      <p:boldItalic r:id="rId33"/>
     </p:embeddedFont>
   </p:embeddedFontLst>
   <p:defaultTextStyle>
@@ -820,6 +847,660 @@
         </p:txBody>
       </p:sp>
     </p:spTree>
+  </p:cSld>
+  <p:clrMapOvr>
+    <a:masterClrMapping/>
+  </p:clrMapOvr>
+</p:notes>
+</file>
+
+<file path=ppt/notesSlides/notesSlide10.xml><?xml version="1.0" encoding="utf-8"?>
+<p:notes xmlns:a="http://schemas.openxmlformats.org/drawingml/2006/main" xmlns:r="http://schemas.openxmlformats.org/officeDocument/2006/relationships" xmlns:p="http://schemas.openxmlformats.org/presentationml/2006/main" showMasterSp="0" showMasterPhAnim="0">
+  <p:cSld>
+    <p:spTree>
+      <p:nvGrpSpPr>
+        <p:cNvPr id="1" name="Shape 99"/>
+        <p:cNvGrpSpPr/>
+        <p:nvPr/>
+      </p:nvGrpSpPr>
+      <p:grpSpPr>
+        <a:xfrm>
+          <a:off x="0" y="0"/>
+          <a:ext cx="0" cy="0"/>
+          <a:chOff x="0" y="0"/>
+          <a:chExt cx="0" cy="0"/>
+        </a:xfrm>
+      </p:grpSpPr>
+      <p:sp>
+        <p:nvSpPr>
+          <p:cNvPr id="100" name="Google Shape;100;g2ddc889944f_0_0:notes"/>
+          <p:cNvSpPr>
+            <a:spLocks noGrp="1" noRot="1" noChangeAspect="1"/>
+          </p:cNvSpPr>
+          <p:nvPr>
+            <p:ph type="sldImg" idx="2"/>
+          </p:nvPr>
+        </p:nvSpPr>
+        <p:spPr>
+          <a:xfrm>
+            <a:off x="381000" y="685800"/>
+            <a:ext cx="6096000" cy="3429000"/>
+          </a:xfrm>
+          <a:custGeom>
+            <a:avLst/>
+            <a:gdLst/>
+            <a:ahLst/>
+            <a:cxnLst/>
+            <a:rect l="l" t="t" r="r" b="b"/>
+            <a:pathLst>
+              <a:path w="120000" h="120000" extrusionOk="0">
+                <a:moveTo>
+                  <a:pt x="0" y="0"/>
+                </a:moveTo>
+                <a:lnTo>
+                  <a:pt x="120000" y="0"/>
+                </a:lnTo>
+                <a:lnTo>
+                  <a:pt x="120000" y="120000"/>
+                </a:lnTo>
+                <a:lnTo>
+                  <a:pt x="0" y="120000"/>
+                </a:lnTo>
+                <a:close/>
+              </a:path>
+            </a:pathLst>
+          </a:custGeom>
+        </p:spPr>
+      </p:sp>
+      <p:sp>
+        <p:nvSpPr>
+          <p:cNvPr id="101" name="Google Shape;101;g2ddc889944f_0_0:notes"/>
+          <p:cNvSpPr txBox="1">
+            <a:spLocks noGrp="1"/>
+          </p:cNvSpPr>
+          <p:nvPr>
+            <p:ph type="body" idx="1"/>
+          </p:nvPr>
+        </p:nvSpPr>
+        <p:spPr>
+          <a:xfrm>
+            <a:off x="685800" y="4343400"/>
+            <a:ext cx="5486400" cy="4114800"/>
+          </a:xfrm>
+          <a:prstGeom prst="rect">
+            <a:avLst/>
+          </a:prstGeom>
+        </p:spPr>
+        <p:txBody>
+          <a:bodyPr spcFirstLastPara="1" wrap="square" lIns="91425" tIns="91425" rIns="91425" bIns="91425" anchor="t" anchorCtr="0">
+            <a:noAutofit/>
+          </a:bodyPr>
+          <a:lstStyle/>
+          <a:p>
+            <a:pPr marL="0" lvl="0" indent="0" algn="l" rtl="0">
+              <a:spcBef>
+                <a:spcPts val="0"/>
+              </a:spcBef>
+              <a:spcAft>
+                <a:spcPts val="0"/>
+              </a:spcAft>
+              <a:buNone/>
+            </a:pPr>
+            <a:endParaRPr/>
+          </a:p>
+        </p:txBody>
+      </p:sp>
+    </p:spTree>
+    <p:extLst>
+      <p:ext uri="{BB962C8B-B14F-4D97-AF65-F5344CB8AC3E}">
+        <p14:creationId xmlns:p14="http://schemas.microsoft.com/office/powerpoint/2010/main" val="2854474295"/>
+      </p:ext>
+    </p:extLst>
+  </p:cSld>
+  <p:clrMapOvr>
+    <a:masterClrMapping/>
+  </p:clrMapOvr>
+</p:notes>
+</file>
+
+<file path=ppt/notesSlides/notesSlide11.xml><?xml version="1.0" encoding="utf-8"?>
+<p:notes xmlns:a="http://schemas.openxmlformats.org/drawingml/2006/main" xmlns:r="http://schemas.openxmlformats.org/officeDocument/2006/relationships" xmlns:p="http://schemas.openxmlformats.org/presentationml/2006/main" showMasterSp="0" showMasterPhAnim="0">
+  <p:cSld>
+    <p:spTree>
+      <p:nvGrpSpPr>
+        <p:cNvPr id="1" name="Shape 99"/>
+        <p:cNvGrpSpPr/>
+        <p:nvPr/>
+      </p:nvGrpSpPr>
+      <p:grpSpPr>
+        <a:xfrm>
+          <a:off x="0" y="0"/>
+          <a:ext cx="0" cy="0"/>
+          <a:chOff x="0" y="0"/>
+          <a:chExt cx="0" cy="0"/>
+        </a:xfrm>
+      </p:grpSpPr>
+      <p:sp>
+        <p:nvSpPr>
+          <p:cNvPr id="100" name="Google Shape;100;g2ddc889944f_0_0:notes"/>
+          <p:cNvSpPr>
+            <a:spLocks noGrp="1" noRot="1" noChangeAspect="1"/>
+          </p:cNvSpPr>
+          <p:nvPr>
+            <p:ph type="sldImg" idx="2"/>
+          </p:nvPr>
+        </p:nvSpPr>
+        <p:spPr>
+          <a:xfrm>
+            <a:off x="381000" y="685800"/>
+            <a:ext cx="6096000" cy="3429000"/>
+          </a:xfrm>
+          <a:custGeom>
+            <a:avLst/>
+            <a:gdLst/>
+            <a:ahLst/>
+            <a:cxnLst/>
+            <a:rect l="l" t="t" r="r" b="b"/>
+            <a:pathLst>
+              <a:path w="120000" h="120000" extrusionOk="0">
+                <a:moveTo>
+                  <a:pt x="0" y="0"/>
+                </a:moveTo>
+                <a:lnTo>
+                  <a:pt x="120000" y="0"/>
+                </a:lnTo>
+                <a:lnTo>
+                  <a:pt x="120000" y="120000"/>
+                </a:lnTo>
+                <a:lnTo>
+                  <a:pt x="0" y="120000"/>
+                </a:lnTo>
+                <a:close/>
+              </a:path>
+            </a:pathLst>
+          </a:custGeom>
+        </p:spPr>
+      </p:sp>
+      <p:sp>
+        <p:nvSpPr>
+          <p:cNvPr id="101" name="Google Shape;101;g2ddc889944f_0_0:notes"/>
+          <p:cNvSpPr txBox="1">
+            <a:spLocks noGrp="1"/>
+          </p:cNvSpPr>
+          <p:nvPr>
+            <p:ph type="body" idx="1"/>
+          </p:nvPr>
+        </p:nvSpPr>
+        <p:spPr>
+          <a:xfrm>
+            <a:off x="685800" y="4343400"/>
+            <a:ext cx="5486400" cy="4114800"/>
+          </a:xfrm>
+          <a:prstGeom prst="rect">
+            <a:avLst/>
+          </a:prstGeom>
+        </p:spPr>
+        <p:txBody>
+          <a:bodyPr spcFirstLastPara="1" wrap="square" lIns="91425" tIns="91425" rIns="91425" bIns="91425" anchor="t" anchorCtr="0">
+            <a:noAutofit/>
+          </a:bodyPr>
+          <a:lstStyle/>
+          <a:p>
+            <a:pPr marL="0" lvl="0" indent="0" algn="l" rtl="0">
+              <a:spcBef>
+                <a:spcPts val="0"/>
+              </a:spcBef>
+              <a:spcAft>
+                <a:spcPts val="0"/>
+              </a:spcAft>
+              <a:buNone/>
+            </a:pPr>
+            <a:endParaRPr/>
+          </a:p>
+        </p:txBody>
+      </p:sp>
+    </p:spTree>
+    <p:extLst>
+      <p:ext uri="{BB962C8B-B14F-4D97-AF65-F5344CB8AC3E}">
+        <p14:creationId xmlns:p14="http://schemas.microsoft.com/office/powerpoint/2010/main" val="680835940"/>
+      </p:ext>
+    </p:extLst>
+  </p:cSld>
+  <p:clrMapOvr>
+    <a:masterClrMapping/>
+  </p:clrMapOvr>
+</p:notes>
+</file>
+
+<file path=ppt/notesSlides/notesSlide12.xml><?xml version="1.0" encoding="utf-8"?>
+<p:notes xmlns:a="http://schemas.openxmlformats.org/drawingml/2006/main" xmlns:r="http://schemas.openxmlformats.org/officeDocument/2006/relationships" xmlns:p="http://schemas.openxmlformats.org/presentationml/2006/main" showMasterSp="0" showMasterPhAnim="0">
+  <p:cSld>
+    <p:spTree>
+      <p:nvGrpSpPr>
+        <p:cNvPr id="1" name="Shape 99"/>
+        <p:cNvGrpSpPr/>
+        <p:nvPr/>
+      </p:nvGrpSpPr>
+      <p:grpSpPr>
+        <a:xfrm>
+          <a:off x="0" y="0"/>
+          <a:ext cx="0" cy="0"/>
+          <a:chOff x="0" y="0"/>
+          <a:chExt cx="0" cy="0"/>
+        </a:xfrm>
+      </p:grpSpPr>
+      <p:sp>
+        <p:nvSpPr>
+          <p:cNvPr id="100" name="Google Shape;100;g2ddc889944f_0_0:notes"/>
+          <p:cNvSpPr>
+            <a:spLocks noGrp="1" noRot="1" noChangeAspect="1"/>
+          </p:cNvSpPr>
+          <p:nvPr>
+            <p:ph type="sldImg" idx="2"/>
+          </p:nvPr>
+        </p:nvSpPr>
+        <p:spPr>
+          <a:xfrm>
+            <a:off x="381000" y="685800"/>
+            <a:ext cx="6096000" cy="3429000"/>
+          </a:xfrm>
+          <a:custGeom>
+            <a:avLst/>
+            <a:gdLst/>
+            <a:ahLst/>
+            <a:cxnLst/>
+            <a:rect l="l" t="t" r="r" b="b"/>
+            <a:pathLst>
+              <a:path w="120000" h="120000" extrusionOk="0">
+                <a:moveTo>
+                  <a:pt x="0" y="0"/>
+                </a:moveTo>
+                <a:lnTo>
+                  <a:pt x="120000" y="0"/>
+                </a:lnTo>
+                <a:lnTo>
+                  <a:pt x="120000" y="120000"/>
+                </a:lnTo>
+                <a:lnTo>
+                  <a:pt x="0" y="120000"/>
+                </a:lnTo>
+                <a:close/>
+              </a:path>
+            </a:pathLst>
+          </a:custGeom>
+        </p:spPr>
+      </p:sp>
+      <p:sp>
+        <p:nvSpPr>
+          <p:cNvPr id="101" name="Google Shape;101;g2ddc889944f_0_0:notes"/>
+          <p:cNvSpPr txBox="1">
+            <a:spLocks noGrp="1"/>
+          </p:cNvSpPr>
+          <p:nvPr>
+            <p:ph type="body" idx="1"/>
+          </p:nvPr>
+        </p:nvSpPr>
+        <p:spPr>
+          <a:xfrm>
+            <a:off x="685800" y="4343400"/>
+            <a:ext cx="5486400" cy="4114800"/>
+          </a:xfrm>
+          <a:prstGeom prst="rect">
+            <a:avLst/>
+          </a:prstGeom>
+        </p:spPr>
+        <p:txBody>
+          <a:bodyPr spcFirstLastPara="1" wrap="square" lIns="91425" tIns="91425" rIns="91425" bIns="91425" anchor="t" anchorCtr="0">
+            <a:noAutofit/>
+          </a:bodyPr>
+          <a:lstStyle/>
+          <a:p>
+            <a:pPr marL="0" lvl="0" indent="0" algn="l" rtl="0">
+              <a:spcBef>
+                <a:spcPts val="0"/>
+              </a:spcBef>
+              <a:spcAft>
+                <a:spcPts val="0"/>
+              </a:spcAft>
+              <a:buNone/>
+            </a:pPr>
+            <a:endParaRPr/>
+          </a:p>
+        </p:txBody>
+      </p:sp>
+    </p:spTree>
+    <p:extLst>
+      <p:ext uri="{BB962C8B-B14F-4D97-AF65-F5344CB8AC3E}">
+        <p14:creationId xmlns:p14="http://schemas.microsoft.com/office/powerpoint/2010/main" val="3566470246"/>
+      </p:ext>
+    </p:extLst>
+  </p:cSld>
+  <p:clrMapOvr>
+    <a:masterClrMapping/>
+  </p:clrMapOvr>
+</p:notes>
+</file>
+
+<file path=ppt/notesSlides/notesSlide13.xml><?xml version="1.0" encoding="utf-8"?>
+<p:notes xmlns:a="http://schemas.openxmlformats.org/drawingml/2006/main" xmlns:r="http://schemas.openxmlformats.org/officeDocument/2006/relationships" xmlns:p="http://schemas.openxmlformats.org/presentationml/2006/main" showMasterSp="0" showMasterPhAnim="0">
+  <p:cSld>
+    <p:spTree>
+      <p:nvGrpSpPr>
+        <p:cNvPr id="1" name="Shape 99"/>
+        <p:cNvGrpSpPr/>
+        <p:nvPr/>
+      </p:nvGrpSpPr>
+      <p:grpSpPr>
+        <a:xfrm>
+          <a:off x="0" y="0"/>
+          <a:ext cx="0" cy="0"/>
+          <a:chOff x="0" y="0"/>
+          <a:chExt cx="0" cy="0"/>
+        </a:xfrm>
+      </p:grpSpPr>
+      <p:sp>
+        <p:nvSpPr>
+          <p:cNvPr id="100" name="Google Shape;100;g2ddc889944f_0_0:notes"/>
+          <p:cNvSpPr>
+            <a:spLocks noGrp="1" noRot="1" noChangeAspect="1"/>
+          </p:cNvSpPr>
+          <p:nvPr>
+            <p:ph type="sldImg" idx="2"/>
+          </p:nvPr>
+        </p:nvSpPr>
+        <p:spPr>
+          <a:xfrm>
+            <a:off x="381000" y="685800"/>
+            <a:ext cx="6096000" cy="3429000"/>
+          </a:xfrm>
+          <a:custGeom>
+            <a:avLst/>
+            <a:gdLst/>
+            <a:ahLst/>
+            <a:cxnLst/>
+            <a:rect l="l" t="t" r="r" b="b"/>
+            <a:pathLst>
+              <a:path w="120000" h="120000" extrusionOk="0">
+                <a:moveTo>
+                  <a:pt x="0" y="0"/>
+                </a:moveTo>
+                <a:lnTo>
+                  <a:pt x="120000" y="0"/>
+                </a:lnTo>
+                <a:lnTo>
+                  <a:pt x="120000" y="120000"/>
+                </a:lnTo>
+                <a:lnTo>
+                  <a:pt x="0" y="120000"/>
+                </a:lnTo>
+                <a:close/>
+              </a:path>
+            </a:pathLst>
+          </a:custGeom>
+        </p:spPr>
+      </p:sp>
+      <p:sp>
+        <p:nvSpPr>
+          <p:cNvPr id="101" name="Google Shape;101;g2ddc889944f_0_0:notes"/>
+          <p:cNvSpPr txBox="1">
+            <a:spLocks noGrp="1"/>
+          </p:cNvSpPr>
+          <p:nvPr>
+            <p:ph type="body" idx="1"/>
+          </p:nvPr>
+        </p:nvSpPr>
+        <p:spPr>
+          <a:xfrm>
+            <a:off x="685800" y="4343400"/>
+            <a:ext cx="5486400" cy="4114800"/>
+          </a:xfrm>
+          <a:prstGeom prst="rect">
+            <a:avLst/>
+          </a:prstGeom>
+        </p:spPr>
+        <p:txBody>
+          <a:bodyPr spcFirstLastPara="1" wrap="square" lIns="91425" tIns="91425" rIns="91425" bIns="91425" anchor="t" anchorCtr="0">
+            <a:noAutofit/>
+          </a:bodyPr>
+          <a:lstStyle/>
+          <a:p>
+            <a:pPr marL="0" lvl="0" indent="0" algn="l" rtl="0">
+              <a:spcBef>
+                <a:spcPts val="0"/>
+              </a:spcBef>
+              <a:spcAft>
+                <a:spcPts val="0"/>
+              </a:spcAft>
+              <a:buNone/>
+            </a:pPr>
+            <a:endParaRPr/>
+          </a:p>
+        </p:txBody>
+      </p:sp>
+    </p:spTree>
+    <p:extLst>
+      <p:ext uri="{BB962C8B-B14F-4D97-AF65-F5344CB8AC3E}">
+        <p14:creationId xmlns:p14="http://schemas.microsoft.com/office/powerpoint/2010/main" val="3138703656"/>
+      </p:ext>
+    </p:extLst>
+  </p:cSld>
+  <p:clrMapOvr>
+    <a:masterClrMapping/>
+  </p:clrMapOvr>
+</p:notes>
+</file>
+
+<file path=ppt/notesSlides/notesSlide14.xml><?xml version="1.0" encoding="utf-8"?>
+<p:notes xmlns:a="http://schemas.openxmlformats.org/drawingml/2006/main" xmlns:r="http://schemas.openxmlformats.org/officeDocument/2006/relationships" xmlns:p="http://schemas.openxmlformats.org/presentationml/2006/main" showMasterSp="0" showMasterPhAnim="0">
+  <p:cSld>
+    <p:spTree>
+      <p:nvGrpSpPr>
+        <p:cNvPr id="1" name="Shape 99"/>
+        <p:cNvGrpSpPr/>
+        <p:nvPr/>
+      </p:nvGrpSpPr>
+      <p:grpSpPr>
+        <a:xfrm>
+          <a:off x="0" y="0"/>
+          <a:ext cx="0" cy="0"/>
+          <a:chOff x="0" y="0"/>
+          <a:chExt cx="0" cy="0"/>
+        </a:xfrm>
+      </p:grpSpPr>
+      <p:sp>
+        <p:nvSpPr>
+          <p:cNvPr id="100" name="Google Shape;100;g2ddc889944f_0_0:notes"/>
+          <p:cNvSpPr>
+            <a:spLocks noGrp="1" noRot="1" noChangeAspect="1"/>
+          </p:cNvSpPr>
+          <p:nvPr>
+            <p:ph type="sldImg" idx="2"/>
+          </p:nvPr>
+        </p:nvSpPr>
+        <p:spPr>
+          <a:xfrm>
+            <a:off x="381000" y="685800"/>
+            <a:ext cx="6096000" cy="3429000"/>
+          </a:xfrm>
+          <a:custGeom>
+            <a:avLst/>
+            <a:gdLst/>
+            <a:ahLst/>
+            <a:cxnLst/>
+            <a:rect l="l" t="t" r="r" b="b"/>
+            <a:pathLst>
+              <a:path w="120000" h="120000" extrusionOk="0">
+                <a:moveTo>
+                  <a:pt x="0" y="0"/>
+                </a:moveTo>
+                <a:lnTo>
+                  <a:pt x="120000" y="0"/>
+                </a:lnTo>
+                <a:lnTo>
+                  <a:pt x="120000" y="120000"/>
+                </a:lnTo>
+                <a:lnTo>
+                  <a:pt x="0" y="120000"/>
+                </a:lnTo>
+                <a:close/>
+              </a:path>
+            </a:pathLst>
+          </a:custGeom>
+        </p:spPr>
+      </p:sp>
+      <p:sp>
+        <p:nvSpPr>
+          <p:cNvPr id="101" name="Google Shape;101;g2ddc889944f_0_0:notes"/>
+          <p:cNvSpPr txBox="1">
+            <a:spLocks noGrp="1"/>
+          </p:cNvSpPr>
+          <p:nvPr>
+            <p:ph type="body" idx="1"/>
+          </p:nvPr>
+        </p:nvSpPr>
+        <p:spPr>
+          <a:xfrm>
+            <a:off x="685800" y="4343400"/>
+            <a:ext cx="5486400" cy="4114800"/>
+          </a:xfrm>
+          <a:prstGeom prst="rect">
+            <a:avLst/>
+          </a:prstGeom>
+        </p:spPr>
+        <p:txBody>
+          <a:bodyPr spcFirstLastPara="1" wrap="square" lIns="91425" tIns="91425" rIns="91425" bIns="91425" anchor="t" anchorCtr="0">
+            <a:noAutofit/>
+          </a:bodyPr>
+          <a:lstStyle/>
+          <a:p>
+            <a:pPr marL="0" lvl="0" indent="0" algn="l" rtl="0">
+              <a:spcBef>
+                <a:spcPts val="0"/>
+              </a:spcBef>
+              <a:spcAft>
+                <a:spcPts val="0"/>
+              </a:spcAft>
+              <a:buNone/>
+            </a:pPr>
+            <a:endParaRPr/>
+          </a:p>
+        </p:txBody>
+      </p:sp>
+    </p:spTree>
+    <p:extLst>
+      <p:ext uri="{BB962C8B-B14F-4D97-AF65-F5344CB8AC3E}">
+        <p14:creationId xmlns:p14="http://schemas.microsoft.com/office/powerpoint/2010/main" val="185877186"/>
+      </p:ext>
+    </p:extLst>
+  </p:cSld>
+  <p:clrMapOvr>
+    <a:masterClrMapping/>
+  </p:clrMapOvr>
+</p:notes>
+</file>
+
+<file path=ppt/notesSlides/notesSlide15.xml><?xml version="1.0" encoding="utf-8"?>
+<p:notes xmlns:a="http://schemas.openxmlformats.org/drawingml/2006/main" xmlns:r="http://schemas.openxmlformats.org/officeDocument/2006/relationships" xmlns:p="http://schemas.openxmlformats.org/presentationml/2006/main" showMasterSp="0" showMasterPhAnim="0">
+  <p:cSld>
+    <p:spTree>
+      <p:nvGrpSpPr>
+        <p:cNvPr id="1" name="Shape 99"/>
+        <p:cNvGrpSpPr/>
+        <p:nvPr/>
+      </p:nvGrpSpPr>
+      <p:grpSpPr>
+        <a:xfrm>
+          <a:off x="0" y="0"/>
+          <a:ext cx="0" cy="0"/>
+          <a:chOff x="0" y="0"/>
+          <a:chExt cx="0" cy="0"/>
+        </a:xfrm>
+      </p:grpSpPr>
+      <p:sp>
+        <p:nvSpPr>
+          <p:cNvPr id="100" name="Google Shape;100;g2ddc889944f_0_0:notes"/>
+          <p:cNvSpPr>
+            <a:spLocks noGrp="1" noRot="1" noChangeAspect="1"/>
+          </p:cNvSpPr>
+          <p:nvPr>
+            <p:ph type="sldImg" idx="2"/>
+          </p:nvPr>
+        </p:nvSpPr>
+        <p:spPr>
+          <a:xfrm>
+            <a:off x="381000" y="685800"/>
+            <a:ext cx="6096000" cy="3429000"/>
+          </a:xfrm>
+          <a:custGeom>
+            <a:avLst/>
+            <a:gdLst/>
+            <a:ahLst/>
+            <a:cxnLst/>
+            <a:rect l="l" t="t" r="r" b="b"/>
+            <a:pathLst>
+              <a:path w="120000" h="120000" extrusionOk="0">
+                <a:moveTo>
+                  <a:pt x="0" y="0"/>
+                </a:moveTo>
+                <a:lnTo>
+                  <a:pt x="120000" y="0"/>
+                </a:lnTo>
+                <a:lnTo>
+                  <a:pt x="120000" y="120000"/>
+                </a:lnTo>
+                <a:lnTo>
+                  <a:pt x="0" y="120000"/>
+                </a:lnTo>
+                <a:close/>
+              </a:path>
+            </a:pathLst>
+          </a:custGeom>
+        </p:spPr>
+      </p:sp>
+      <p:sp>
+        <p:nvSpPr>
+          <p:cNvPr id="101" name="Google Shape;101;g2ddc889944f_0_0:notes"/>
+          <p:cNvSpPr txBox="1">
+            <a:spLocks noGrp="1"/>
+          </p:cNvSpPr>
+          <p:nvPr>
+            <p:ph type="body" idx="1"/>
+          </p:nvPr>
+        </p:nvSpPr>
+        <p:spPr>
+          <a:xfrm>
+            <a:off x="685800" y="4343400"/>
+            <a:ext cx="5486400" cy="4114800"/>
+          </a:xfrm>
+          <a:prstGeom prst="rect">
+            <a:avLst/>
+          </a:prstGeom>
+        </p:spPr>
+        <p:txBody>
+          <a:bodyPr spcFirstLastPara="1" wrap="square" lIns="91425" tIns="91425" rIns="91425" bIns="91425" anchor="t" anchorCtr="0">
+            <a:noAutofit/>
+          </a:bodyPr>
+          <a:lstStyle/>
+          <a:p>
+            <a:pPr marL="0" lvl="0" indent="0" algn="l" rtl="0">
+              <a:spcBef>
+                <a:spcPts val="0"/>
+              </a:spcBef>
+              <a:spcAft>
+                <a:spcPts val="0"/>
+              </a:spcAft>
+              <a:buNone/>
+            </a:pPr>
+            <a:endParaRPr/>
+          </a:p>
+        </p:txBody>
+      </p:sp>
+    </p:spTree>
+    <p:extLst>
+      <p:ext uri="{BB962C8B-B14F-4D97-AF65-F5344CB8AC3E}">
+        <p14:creationId xmlns:p14="http://schemas.microsoft.com/office/powerpoint/2010/main" val="382241503"/>
+      </p:ext>
+    </p:extLst>
   </p:cSld>
   <p:clrMapOvr>
     <a:masterClrMapping/>
@@ -8370,6 +9051,3653 @@
 </p:sld>
 </file>
 
+<file path=ppt/slides/slide10.xml><?xml version="1.0" encoding="utf-8"?>
+<p:sld xmlns:a="http://schemas.openxmlformats.org/drawingml/2006/main" xmlns:r="http://schemas.openxmlformats.org/officeDocument/2006/relationships" xmlns:p="http://schemas.openxmlformats.org/presentationml/2006/main">
+  <p:cSld>
+    <p:spTree>
+      <p:nvGrpSpPr>
+        <p:cNvPr id="1" name="Shape 102"/>
+        <p:cNvGrpSpPr/>
+        <p:nvPr/>
+      </p:nvGrpSpPr>
+      <p:grpSpPr>
+        <a:xfrm>
+          <a:off x="0" y="0"/>
+          <a:ext cx="0" cy="0"/>
+          <a:chOff x="0" y="0"/>
+          <a:chExt cx="0" cy="0"/>
+        </a:xfrm>
+      </p:grpSpPr>
+      <p:sp>
+        <p:nvSpPr>
+          <p:cNvPr id="103" name="Google Shape;103;p16"/>
+          <p:cNvSpPr txBox="1">
+            <a:spLocks noGrp="1"/>
+          </p:cNvSpPr>
+          <p:nvPr>
+            <p:ph type="title"/>
+          </p:nvPr>
+        </p:nvSpPr>
+        <p:spPr>
+          <a:xfrm>
+            <a:off x="0" y="-106777"/>
+            <a:ext cx="9144000" cy="607800"/>
+          </a:xfrm>
+          <a:prstGeom prst="rect">
+            <a:avLst/>
+          </a:prstGeom>
+        </p:spPr>
+        <p:txBody>
+          <a:bodyPr spcFirstLastPara="1" wrap="square" lIns="91425" tIns="91425" rIns="91425" bIns="91425" anchor="t" anchorCtr="0">
+            <a:noAutofit/>
+          </a:bodyPr>
+          <a:lstStyle/>
+          <a:p>
+            <a:pPr lvl="0" algn="ctr">
+              <a:buSzPts val="990"/>
+            </a:pPr>
+            <a:r>
+              <a:rPr lang="en" sz="2600" b="1" dirty="0" smtClean="0"/>
+              <a:t>JAVA SCRIPT ASYNC /AWAIT</a:t>
+            </a:r>
+            <a:endParaRPr sz="2600" b="1" dirty="0"/>
+          </a:p>
+        </p:txBody>
+      </p:sp>
+      <p:sp>
+        <p:nvSpPr>
+          <p:cNvPr id="104" name="Google Shape;104;p16"/>
+          <p:cNvSpPr txBox="1"/>
+          <p:nvPr/>
+        </p:nvSpPr>
+        <p:spPr>
+          <a:xfrm>
+            <a:off x="321600" y="355550"/>
+            <a:ext cx="8500800" cy="4616618"/>
+          </a:xfrm>
+          <a:prstGeom prst="rect">
+            <a:avLst/>
+          </a:prstGeom>
+          <a:noFill/>
+          <a:ln>
+            <a:noFill/>
+          </a:ln>
+        </p:spPr>
+        <p:txBody>
+          <a:bodyPr spcFirstLastPara="1" wrap="square" lIns="91425" tIns="91425" rIns="91425" bIns="91425" anchor="t" anchorCtr="0">
+            <a:spAutoFit/>
+          </a:bodyPr>
+          <a:lstStyle/>
+          <a:p>
+            <a:r>
+              <a:rPr lang="en-US" sz="1200" b="1" u="sng" dirty="0"/>
+              <a:t>Asynchronous JavaScript</a:t>
+            </a:r>
+          </a:p>
+          <a:p>
+            <a:pPr algn="just"/>
+            <a:endParaRPr lang="en-US" sz="1200" dirty="0">
+              <a:solidFill>
+                <a:schemeClr val="tx1"/>
+              </a:solidFill>
+              <a:highlight>
+                <a:srgbClr val="FFFFFF"/>
+              </a:highlight>
+              <a:latin typeface="+mj-lt"/>
+              <a:ea typeface="Roboto"/>
+              <a:cs typeface="Roboto"/>
+              <a:sym typeface="Roboto"/>
+            </a:endParaRPr>
+          </a:p>
+          <a:p>
+            <a:r>
+              <a:rPr lang="en-US" sz="1200" dirty="0"/>
+              <a:t>Functions running in </a:t>
+            </a:r>
+            <a:r>
+              <a:rPr lang="en-US" sz="1200" b="1" dirty="0"/>
+              <a:t>parallel</a:t>
+            </a:r>
+            <a:r>
+              <a:rPr lang="en-US" sz="1200" dirty="0"/>
+              <a:t> with other functions are called </a:t>
+            </a:r>
+            <a:r>
+              <a:rPr lang="en-US" sz="1200" b="1" dirty="0"/>
+              <a:t>asynchronous</a:t>
+            </a:r>
+            <a:endParaRPr lang="en-US" sz="1200" dirty="0"/>
+          </a:p>
+          <a:p>
+            <a:r>
+              <a:rPr lang="en-US" sz="1200" dirty="0"/>
+              <a:t>A good example is JavaScript </a:t>
+            </a:r>
+            <a:r>
+              <a:rPr lang="en-US" sz="1200" dirty="0" err="1"/>
+              <a:t>setTimeout</a:t>
+            </a:r>
+            <a:r>
+              <a:rPr lang="en-US" sz="1200" dirty="0"/>
+              <a:t>()</a:t>
+            </a:r>
+          </a:p>
+          <a:p>
+            <a:pPr algn="just"/>
+            <a:endParaRPr lang="en-US" sz="1200" dirty="0">
+              <a:solidFill>
+                <a:schemeClr val="tx1"/>
+              </a:solidFill>
+              <a:highlight>
+                <a:srgbClr val="FFFFFF"/>
+              </a:highlight>
+              <a:latin typeface="+mj-lt"/>
+              <a:ea typeface="Roboto"/>
+              <a:cs typeface="Roboto"/>
+              <a:sym typeface="Roboto"/>
+            </a:endParaRPr>
+          </a:p>
+          <a:p>
+            <a:pPr algn="just"/>
+            <a:r>
+              <a:rPr lang="en-US" sz="1200" dirty="0" err="1">
+                <a:solidFill>
+                  <a:schemeClr val="tx1"/>
+                </a:solidFill>
+                <a:highlight>
+                  <a:srgbClr val="FFFFFF"/>
+                </a:highlight>
+                <a:latin typeface="+mj-lt"/>
+                <a:ea typeface="Roboto"/>
+                <a:cs typeface="Roboto"/>
+                <a:sym typeface="Roboto"/>
+              </a:rPr>
+              <a:t>setTimeout</a:t>
+            </a:r>
+            <a:r>
+              <a:rPr lang="en-US" sz="1200" dirty="0">
+                <a:solidFill>
+                  <a:schemeClr val="tx1"/>
+                </a:solidFill>
+                <a:highlight>
+                  <a:srgbClr val="FFFFFF"/>
+                </a:highlight>
+                <a:latin typeface="+mj-lt"/>
+                <a:ea typeface="Roboto"/>
+                <a:cs typeface="Roboto"/>
+                <a:sym typeface="Roboto"/>
+              </a:rPr>
+              <a:t>(function() { </a:t>
+            </a:r>
+            <a:r>
+              <a:rPr lang="en-US" sz="1200" dirty="0" err="1">
+                <a:solidFill>
+                  <a:schemeClr val="tx1"/>
+                </a:solidFill>
+                <a:highlight>
+                  <a:srgbClr val="FFFFFF"/>
+                </a:highlight>
+                <a:latin typeface="+mj-lt"/>
+                <a:ea typeface="Roboto"/>
+                <a:cs typeface="Roboto"/>
+                <a:sym typeface="Roboto"/>
+              </a:rPr>
+              <a:t>myFunction</a:t>
+            </a:r>
+            <a:r>
+              <a:rPr lang="en-US" sz="1200" dirty="0" smtClean="0">
+                <a:solidFill>
+                  <a:schemeClr val="tx1"/>
+                </a:solidFill>
+                <a:highlight>
+                  <a:srgbClr val="FFFFFF"/>
+                </a:highlight>
+                <a:latin typeface="+mj-lt"/>
+                <a:ea typeface="Roboto"/>
+                <a:cs typeface="Roboto"/>
+                <a:sym typeface="Roboto"/>
+              </a:rPr>
+              <a:t>(“PNY Training is leading IT Training Platform"); </a:t>
+            </a:r>
+            <a:r>
+              <a:rPr lang="en-US" sz="1200" dirty="0">
+                <a:solidFill>
+                  <a:schemeClr val="tx1"/>
+                </a:solidFill>
+                <a:highlight>
+                  <a:srgbClr val="FFFFFF"/>
+                </a:highlight>
+                <a:latin typeface="+mj-lt"/>
+                <a:ea typeface="Roboto"/>
+                <a:cs typeface="Roboto"/>
+                <a:sym typeface="Roboto"/>
+              </a:rPr>
+              <a:t>}, 3000);</a:t>
+            </a:r>
+          </a:p>
+          <a:p>
+            <a:pPr algn="just"/>
+            <a:endParaRPr lang="en-US" sz="1200" dirty="0">
+              <a:solidFill>
+                <a:schemeClr val="tx1"/>
+              </a:solidFill>
+              <a:highlight>
+                <a:srgbClr val="FFFFFF"/>
+              </a:highlight>
+              <a:latin typeface="+mj-lt"/>
+              <a:ea typeface="Roboto"/>
+              <a:cs typeface="Roboto"/>
+              <a:sym typeface="Roboto"/>
+            </a:endParaRPr>
+          </a:p>
+          <a:p>
+            <a:pPr algn="just"/>
+            <a:r>
+              <a:rPr lang="en-US" sz="1200" dirty="0">
+                <a:solidFill>
+                  <a:schemeClr val="tx1"/>
+                </a:solidFill>
+                <a:highlight>
+                  <a:srgbClr val="FFFFFF"/>
+                </a:highlight>
+                <a:latin typeface="+mj-lt"/>
+                <a:ea typeface="Roboto"/>
+                <a:cs typeface="Roboto"/>
+                <a:sym typeface="Roboto"/>
+              </a:rPr>
+              <a:t>function </a:t>
+            </a:r>
+            <a:r>
+              <a:rPr lang="en-US" sz="1200" dirty="0" err="1">
+                <a:solidFill>
+                  <a:schemeClr val="tx1"/>
+                </a:solidFill>
+                <a:highlight>
+                  <a:srgbClr val="FFFFFF"/>
+                </a:highlight>
+                <a:latin typeface="+mj-lt"/>
+                <a:ea typeface="Roboto"/>
+                <a:cs typeface="Roboto"/>
+                <a:sym typeface="Roboto"/>
+              </a:rPr>
+              <a:t>myFunction</a:t>
+            </a:r>
+            <a:r>
+              <a:rPr lang="en-US" sz="1200" dirty="0">
+                <a:solidFill>
+                  <a:schemeClr val="tx1"/>
+                </a:solidFill>
+                <a:highlight>
+                  <a:srgbClr val="FFFFFF"/>
+                </a:highlight>
+                <a:latin typeface="+mj-lt"/>
+                <a:ea typeface="Roboto"/>
+                <a:cs typeface="Roboto"/>
+                <a:sym typeface="Roboto"/>
+              </a:rPr>
+              <a:t>(value) {</a:t>
+            </a:r>
+          </a:p>
+          <a:p>
+            <a:pPr algn="just"/>
+            <a:r>
+              <a:rPr lang="en-US" sz="1200" dirty="0">
+                <a:solidFill>
+                  <a:schemeClr val="tx1"/>
+                </a:solidFill>
+                <a:highlight>
+                  <a:srgbClr val="FFFFFF"/>
+                </a:highlight>
+                <a:latin typeface="+mj-lt"/>
+                <a:ea typeface="Roboto"/>
+                <a:cs typeface="Roboto"/>
+                <a:sym typeface="Roboto"/>
+              </a:rPr>
+              <a:t>  </a:t>
+            </a:r>
+            <a:r>
+              <a:rPr lang="en-US" sz="1200" dirty="0" err="1">
+                <a:solidFill>
+                  <a:schemeClr val="tx1"/>
+                </a:solidFill>
+                <a:highlight>
+                  <a:srgbClr val="FFFFFF"/>
+                </a:highlight>
+                <a:latin typeface="+mj-lt"/>
+                <a:ea typeface="Roboto"/>
+                <a:cs typeface="Roboto"/>
+                <a:sym typeface="Roboto"/>
+              </a:rPr>
+              <a:t>document.getElementById</a:t>
+            </a:r>
+            <a:r>
+              <a:rPr lang="en-US" sz="1200" dirty="0">
+                <a:solidFill>
+                  <a:schemeClr val="tx1"/>
+                </a:solidFill>
+                <a:highlight>
+                  <a:srgbClr val="FFFFFF"/>
+                </a:highlight>
+                <a:latin typeface="+mj-lt"/>
+                <a:ea typeface="Roboto"/>
+                <a:cs typeface="Roboto"/>
+                <a:sym typeface="Roboto"/>
+              </a:rPr>
+              <a:t>("demo").</a:t>
+            </a:r>
+            <a:r>
+              <a:rPr lang="en-US" sz="1200" dirty="0" err="1">
+                <a:solidFill>
+                  <a:schemeClr val="tx1"/>
+                </a:solidFill>
+                <a:highlight>
+                  <a:srgbClr val="FFFFFF"/>
+                </a:highlight>
+                <a:latin typeface="+mj-lt"/>
+                <a:ea typeface="Roboto"/>
+                <a:cs typeface="Roboto"/>
+                <a:sym typeface="Roboto"/>
+              </a:rPr>
+              <a:t>innerHTML</a:t>
+            </a:r>
+            <a:r>
+              <a:rPr lang="en-US" sz="1200" dirty="0">
+                <a:solidFill>
+                  <a:schemeClr val="tx1"/>
+                </a:solidFill>
+                <a:highlight>
+                  <a:srgbClr val="FFFFFF"/>
+                </a:highlight>
+                <a:latin typeface="+mj-lt"/>
+                <a:ea typeface="Roboto"/>
+                <a:cs typeface="Roboto"/>
+                <a:sym typeface="Roboto"/>
+              </a:rPr>
+              <a:t> = value;</a:t>
+            </a:r>
+          </a:p>
+          <a:p>
+            <a:pPr algn="just"/>
+            <a:r>
+              <a:rPr lang="en-US" sz="1200" dirty="0" smtClean="0">
+                <a:solidFill>
+                  <a:schemeClr val="tx1"/>
+                </a:solidFill>
+                <a:highlight>
+                  <a:srgbClr val="FFFFFF"/>
+                </a:highlight>
+                <a:latin typeface="+mj-lt"/>
+                <a:ea typeface="Roboto"/>
+                <a:cs typeface="Roboto"/>
+                <a:sym typeface="Roboto"/>
+              </a:rPr>
+              <a:t>}</a:t>
+            </a:r>
+          </a:p>
+          <a:p>
+            <a:pPr algn="just"/>
+            <a:endParaRPr lang="en-US" sz="1200" dirty="0">
+              <a:solidFill>
+                <a:schemeClr val="tx1"/>
+              </a:solidFill>
+              <a:highlight>
+                <a:srgbClr val="FFFFFF"/>
+              </a:highlight>
+              <a:latin typeface="+mj-lt"/>
+              <a:ea typeface="Roboto"/>
+              <a:cs typeface="Roboto"/>
+              <a:sym typeface="Roboto"/>
+            </a:endParaRPr>
+          </a:p>
+          <a:p>
+            <a:pPr algn="just"/>
+            <a:r>
+              <a:rPr lang="en-US" sz="1200" dirty="0"/>
+              <a:t>Waiting for Intervals:</a:t>
+            </a:r>
+          </a:p>
+          <a:p>
+            <a:pPr algn="just"/>
+            <a:r>
+              <a:rPr lang="en-US" altLang="en-US" sz="1200" dirty="0">
+                <a:latin typeface="Verdana" panose="020B0604030504040204" pitchFamily="34" charset="0"/>
+              </a:rPr>
+              <a:t>When using the JavaScript function </a:t>
+            </a:r>
+            <a:r>
+              <a:rPr lang="en-US" altLang="en-US" sz="1200" dirty="0" err="1">
+                <a:solidFill>
+                  <a:srgbClr val="DC143C"/>
+                </a:solidFill>
+                <a:latin typeface="Consolas" panose="020B0609020204030204" pitchFamily="49" charset="0"/>
+              </a:rPr>
+              <a:t>setInterval</a:t>
+            </a:r>
+            <a:r>
+              <a:rPr lang="en-US" altLang="en-US" sz="1200" dirty="0">
+                <a:solidFill>
+                  <a:srgbClr val="DC143C"/>
+                </a:solidFill>
+                <a:latin typeface="Consolas" panose="020B0609020204030204" pitchFamily="49" charset="0"/>
+              </a:rPr>
+              <a:t>()</a:t>
+            </a:r>
+            <a:r>
+              <a:rPr lang="en-US" altLang="en-US" sz="1200" dirty="0">
+                <a:latin typeface="Verdana" panose="020B0604030504040204" pitchFamily="34" charset="0"/>
+              </a:rPr>
+              <a:t>, you can specify a callback function to be executed for each interval:</a:t>
+            </a:r>
+            <a:r>
+              <a:rPr lang="en-US" altLang="en-US" sz="1200" dirty="0">
+                <a:solidFill>
+                  <a:schemeClr val="tx1"/>
+                </a:solidFill>
+              </a:rPr>
+              <a:t> </a:t>
+            </a:r>
+            <a:endParaRPr lang="en-US" altLang="en-US" sz="1200" dirty="0">
+              <a:solidFill>
+                <a:schemeClr val="tx1"/>
+              </a:solidFill>
+              <a:latin typeface="Arial" panose="020B0604020202020204" pitchFamily="34" charset="0"/>
+            </a:endParaRPr>
+          </a:p>
+          <a:p>
+            <a:pPr algn="just"/>
+            <a:endParaRPr lang="en-US" sz="1200" dirty="0" smtClean="0">
+              <a:solidFill>
+                <a:schemeClr val="tx1"/>
+              </a:solidFill>
+              <a:highlight>
+                <a:srgbClr val="FFFFFF"/>
+              </a:highlight>
+              <a:latin typeface="+mj-lt"/>
+              <a:ea typeface="Roboto"/>
+              <a:cs typeface="Roboto"/>
+              <a:sym typeface="Roboto"/>
+            </a:endParaRPr>
+          </a:p>
+          <a:p>
+            <a:r>
+              <a:rPr lang="en-US" sz="1200" dirty="0" err="1" smtClean="0"/>
+              <a:t>setInterval</a:t>
+            </a:r>
+            <a:r>
+              <a:rPr lang="en-US" sz="1200" dirty="0" smtClean="0"/>
+              <a:t>(myFunction,1000</a:t>
+            </a:r>
+            <a:r>
+              <a:rPr lang="en-US" sz="1200" dirty="0"/>
+              <a:t>);</a:t>
+            </a:r>
+            <a:br>
+              <a:rPr lang="en-US" sz="1200" dirty="0"/>
+            </a:br>
+            <a:r>
+              <a:rPr lang="en-US" sz="1200" dirty="0"/>
+              <a:t/>
+            </a:r>
+            <a:br>
+              <a:rPr lang="en-US" sz="1200" dirty="0"/>
+            </a:br>
+            <a:r>
+              <a:rPr lang="en-US" sz="1200" dirty="0"/>
+              <a:t>function </a:t>
+            </a:r>
+            <a:r>
+              <a:rPr lang="en-US" sz="1200" dirty="0" err="1"/>
+              <a:t>myFunction</a:t>
+            </a:r>
+            <a:r>
+              <a:rPr lang="en-US" sz="1200" dirty="0"/>
+              <a:t>() {</a:t>
+            </a:r>
+            <a:br>
+              <a:rPr lang="en-US" sz="1200" dirty="0"/>
+            </a:br>
+            <a:r>
+              <a:rPr lang="en-US" sz="1200" dirty="0"/>
+              <a:t>  let d = new Date();</a:t>
+            </a:r>
+            <a:br>
+              <a:rPr lang="en-US" sz="1200" dirty="0"/>
+            </a:br>
+            <a:r>
+              <a:rPr lang="en-US" sz="1200" dirty="0"/>
+              <a:t>  </a:t>
+            </a:r>
+            <a:r>
+              <a:rPr lang="en-US" sz="1200" dirty="0" err="1"/>
+              <a:t>document.getElementById</a:t>
+            </a:r>
+            <a:r>
+              <a:rPr lang="en-US" sz="1200" dirty="0"/>
+              <a:t>("demo").</a:t>
+            </a:r>
+            <a:r>
+              <a:rPr lang="en-US" sz="1200" dirty="0" err="1"/>
+              <a:t>innerHTML</a:t>
+            </a:r>
+            <a:r>
+              <a:rPr lang="en-US" sz="1200" dirty="0"/>
+              <a:t>=</a:t>
+            </a:r>
+            <a:br>
+              <a:rPr lang="en-US" sz="1200" dirty="0"/>
+            </a:br>
+            <a:r>
+              <a:rPr lang="en-US" sz="1200" dirty="0"/>
+              <a:t>  </a:t>
+            </a:r>
+            <a:r>
+              <a:rPr lang="en-US" sz="1200" dirty="0" err="1"/>
+              <a:t>d.getHours</a:t>
+            </a:r>
+            <a:r>
+              <a:rPr lang="en-US" sz="1200" dirty="0"/>
+              <a:t>() + ":" +</a:t>
+            </a:r>
+            <a:br>
+              <a:rPr lang="en-US" sz="1200" dirty="0"/>
+            </a:br>
+            <a:r>
+              <a:rPr lang="en-US" sz="1200" dirty="0"/>
+              <a:t>  </a:t>
+            </a:r>
+            <a:r>
+              <a:rPr lang="en-US" sz="1200" dirty="0" err="1"/>
+              <a:t>d.getMinutes</a:t>
+            </a:r>
+            <a:r>
+              <a:rPr lang="en-US" sz="1200" dirty="0"/>
+              <a:t>() + ":" +</a:t>
+            </a:r>
+            <a:br>
+              <a:rPr lang="en-US" sz="1200" dirty="0"/>
+            </a:br>
+            <a:r>
+              <a:rPr lang="en-US" sz="1200" dirty="0"/>
+              <a:t>  </a:t>
+            </a:r>
+            <a:r>
+              <a:rPr lang="en-US" sz="1200" dirty="0" err="1"/>
+              <a:t>d.getSeconds</a:t>
+            </a:r>
+            <a:r>
+              <a:rPr lang="en-US" sz="1200" dirty="0"/>
+              <a:t>();</a:t>
+            </a:r>
+            <a:br>
+              <a:rPr lang="en-US" sz="1200" dirty="0"/>
+            </a:br>
+            <a:r>
+              <a:rPr lang="en-US" sz="1200" dirty="0"/>
+              <a:t>}</a:t>
+            </a:r>
+            <a:endParaRPr lang="en-US" sz="1200" dirty="0">
+              <a:solidFill>
+                <a:schemeClr val="tx1"/>
+              </a:solidFill>
+              <a:highlight>
+                <a:srgbClr val="FFFFFF"/>
+              </a:highlight>
+              <a:latin typeface="+mj-lt"/>
+              <a:ea typeface="Roboto"/>
+              <a:cs typeface="Roboto"/>
+              <a:sym typeface="Roboto"/>
+            </a:endParaRPr>
+          </a:p>
+        </p:txBody>
+      </p:sp>
+    </p:spTree>
+    <p:extLst>
+      <p:ext uri="{BB962C8B-B14F-4D97-AF65-F5344CB8AC3E}">
+        <p14:creationId xmlns:p14="http://schemas.microsoft.com/office/powerpoint/2010/main" val="282143584"/>
+      </p:ext>
+    </p:extLst>
+  </p:cSld>
+  <p:clrMapOvr>
+    <a:masterClrMapping/>
+  </p:clrMapOvr>
+  <p:timing>
+    <p:tnLst>
+      <p:par>
+        <p:cTn id="1" dur="indefinite" restart="never" nodeType="tmRoot"/>
+      </p:par>
+    </p:tnLst>
+  </p:timing>
+</p:sld>
+</file>
+
+<file path=ppt/slides/slide11.xml><?xml version="1.0" encoding="utf-8"?>
+<p:sld xmlns:a="http://schemas.openxmlformats.org/drawingml/2006/main" xmlns:r="http://schemas.openxmlformats.org/officeDocument/2006/relationships" xmlns:p="http://schemas.openxmlformats.org/presentationml/2006/main">
+  <p:cSld>
+    <p:spTree>
+      <p:nvGrpSpPr>
+        <p:cNvPr id="1" name="Shape 102"/>
+        <p:cNvGrpSpPr/>
+        <p:nvPr/>
+      </p:nvGrpSpPr>
+      <p:grpSpPr>
+        <a:xfrm>
+          <a:off x="0" y="0"/>
+          <a:ext cx="0" cy="0"/>
+          <a:chOff x="0" y="0"/>
+          <a:chExt cx="0" cy="0"/>
+        </a:xfrm>
+      </p:grpSpPr>
+      <p:sp>
+        <p:nvSpPr>
+          <p:cNvPr id="103" name="Google Shape;103;p16"/>
+          <p:cNvSpPr txBox="1">
+            <a:spLocks noGrp="1"/>
+          </p:cNvSpPr>
+          <p:nvPr>
+            <p:ph type="title"/>
+          </p:nvPr>
+        </p:nvSpPr>
+        <p:spPr>
+          <a:xfrm>
+            <a:off x="0" y="-106777"/>
+            <a:ext cx="9144000" cy="607800"/>
+          </a:xfrm>
+          <a:prstGeom prst="rect">
+            <a:avLst/>
+          </a:prstGeom>
+        </p:spPr>
+        <p:txBody>
+          <a:bodyPr spcFirstLastPara="1" wrap="square" lIns="91425" tIns="91425" rIns="91425" bIns="91425" anchor="t" anchorCtr="0">
+            <a:noAutofit/>
+          </a:bodyPr>
+          <a:lstStyle/>
+          <a:p>
+            <a:pPr lvl="0" algn="ctr">
+              <a:buSzPts val="990"/>
+            </a:pPr>
+            <a:r>
+              <a:rPr lang="en" sz="2600" b="1" dirty="0" smtClean="0"/>
+              <a:t>JAVA SCRIPT ASYNC /AWAIT</a:t>
+            </a:r>
+            <a:endParaRPr sz="2600" b="1" dirty="0"/>
+          </a:p>
+        </p:txBody>
+      </p:sp>
+      <p:sp>
+        <p:nvSpPr>
+          <p:cNvPr id="104" name="Google Shape;104;p16"/>
+          <p:cNvSpPr txBox="1"/>
+          <p:nvPr/>
+        </p:nvSpPr>
+        <p:spPr>
+          <a:xfrm>
+            <a:off x="321600" y="397113"/>
+            <a:ext cx="8500800" cy="4431952"/>
+          </a:xfrm>
+          <a:prstGeom prst="rect">
+            <a:avLst/>
+          </a:prstGeom>
+          <a:noFill/>
+          <a:ln>
+            <a:noFill/>
+          </a:ln>
+        </p:spPr>
+        <p:txBody>
+          <a:bodyPr spcFirstLastPara="1" wrap="square" lIns="91425" tIns="91425" rIns="91425" bIns="91425" anchor="t" anchorCtr="0">
+            <a:spAutoFit/>
+          </a:bodyPr>
+          <a:lstStyle/>
+          <a:p>
+            <a:r>
+              <a:rPr lang="en-US" sz="1200" b="1" u="sng" dirty="0">
+                <a:latin typeface="+mj-lt"/>
+              </a:rPr>
+              <a:t>JavaScript Promises</a:t>
+            </a:r>
+          </a:p>
+          <a:p>
+            <a:pPr algn="just"/>
+            <a:endParaRPr lang="en-US" sz="1200" dirty="0">
+              <a:solidFill>
+                <a:schemeClr val="tx1"/>
+              </a:solidFill>
+              <a:highlight>
+                <a:srgbClr val="FFFFFF"/>
+              </a:highlight>
+              <a:latin typeface="+mj-lt"/>
+              <a:ea typeface="Roboto"/>
+              <a:cs typeface="Roboto"/>
+              <a:sym typeface="Roboto"/>
+            </a:endParaRPr>
+          </a:p>
+          <a:p>
+            <a:r>
+              <a:rPr lang="en-US" sz="1200" dirty="0">
+                <a:latin typeface="+mj-lt"/>
+              </a:rPr>
+              <a:t>"Producing code" is code that can take some time</a:t>
+            </a:r>
+          </a:p>
+          <a:p>
+            <a:r>
+              <a:rPr lang="en-US" sz="1200" dirty="0">
+                <a:latin typeface="+mj-lt"/>
+              </a:rPr>
+              <a:t>"Consuming code" is code that must wait for the result</a:t>
+            </a:r>
+          </a:p>
+          <a:p>
+            <a:r>
+              <a:rPr lang="en-US" sz="1200" dirty="0">
+                <a:latin typeface="+mj-lt"/>
+              </a:rPr>
+              <a:t>A Promise is an Object that links Producing code and Consuming </a:t>
+            </a:r>
+            <a:r>
+              <a:rPr lang="en-US" sz="1200" dirty="0" smtClean="0">
+                <a:latin typeface="+mj-lt"/>
+              </a:rPr>
+              <a:t>code</a:t>
+            </a:r>
+          </a:p>
+          <a:p>
+            <a:endParaRPr lang="en-US" sz="1200" dirty="0">
+              <a:latin typeface="+mj-lt"/>
+            </a:endParaRPr>
+          </a:p>
+          <a:p>
+            <a:r>
+              <a:rPr lang="en-US" sz="1200" b="1" u="sng" dirty="0">
+                <a:latin typeface="+mj-lt"/>
+              </a:rPr>
+              <a:t>JavaScript Promise Object</a:t>
+            </a:r>
+          </a:p>
+          <a:p>
+            <a:r>
+              <a:rPr lang="en-US" sz="1200" dirty="0">
+                <a:latin typeface="+mj-lt"/>
+              </a:rPr>
+              <a:t>A Promise contains both the producing code and calls to the consuming code</a:t>
+            </a:r>
+            <a:r>
+              <a:rPr lang="en-US" sz="1200" dirty="0" smtClean="0">
+                <a:latin typeface="+mj-lt"/>
+              </a:rPr>
+              <a:t>:</a:t>
+            </a:r>
+          </a:p>
+          <a:p>
+            <a:endParaRPr lang="en-US" sz="1200" dirty="0" smtClean="0">
+              <a:latin typeface="+mj-lt"/>
+            </a:endParaRPr>
+          </a:p>
+          <a:p>
+            <a:r>
+              <a:rPr lang="en-US" sz="1200" b="1" u="sng" dirty="0">
+                <a:latin typeface="+mj-lt"/>
+              </a:rPr>
+              <a:t>Promise </a:t>
+            </a:r>
+            <a:r>
+              <a:rPr lang="en-US" sz="1200" b="1" u="sng" dirty="0" smtClean="0">
+                <a:latin typeface="+mj-lt"/>
+              </a:rPr>
+              <a:t>Syntax</a:t>
+            </a:r>
+          </a:p>
+          <a:p>
+            <a:endParaRPr lang="en-US" sz="1200" b="1" u="sng" dirty="0">
+              <a:latin typeface="+mj-lt"/>
+            </a:endParaRPr>
+          </a:p>
+          <a:p>
+            <a:r>
+              <a:rPr lang="en-US" sz="1200" dirty="0">
+                <a:solidFill>
+                  <a:schemeClr val="tx1"/>
+                </a:solidFill>
+                <a:latin typeface="+mj-lt"/>
+              </a:rPr>
+              <a:t>let </a:t>
+            </a:r>
+            <a:r>
+              <a:rPr lang="en-US" sz="1200" dirty="0" err="1">
+                <a:solidFill>
+                  <a:schemeClr val="tx1"/>
+                </a:solidFill>
+                <a:latin typeface="+mj-lt"/>
+              </a:rPr>
+              <a:t>myPromise</a:t>
+            </a:r>
+            <a:r>
+              <a:rPr lang="en-US" sz="1200" dirty="0">
+                <a:solidFill>
+                  <a:schemeClr val="tx1"/>
+                </a:solidFill>
+                <a:latin typeface="+mj-lt"/>
+              </a:rPr>
+              <a:t> = new Promise(function(</a:t>
+            </a:r>
+            <a:r>
+              <a:rPr lang="en-US" sz="1200" dirty="0" err="1">
+                <a:solidFill>
+                  <a:schemeClr val="tx1"/>
+                </a:solidFill>
+                <a:latin typeface="+mj-lt"/>
+              </a:rPr>
+              <a:t>myResolve</a:t>
+            </a:r>
+            <a:r>
+              <a:rPr lang="en-US" sz="1200" dirty="0">
+                <a:solidFill>
+                  <a:schemeClr val="tx1"/>
+                </a:solidFill>
+                <a:latin typeface="+mj-lt"/>
+              </a:rPr>
+              <a:t>, </a:t>
+            </a:r>
+            <a:r>
+              <a:rPr lang="en-US" sz="1200" dirty="0" err="1">
+                <a:solidFill>
+                  <a:schemeClr val="tx1"/>
+                </a:solidFill>
+                <a:latin typeface="+mj-lt"/>
+              </a:rPr>
+              <a:t>myReject</a:t>
+            </a:r>
+            <a:r>
+              <a:rPr lang="en-US" sz="1200" dirty="0">
+                <a:solidFill>
+                  <a:schemeClr val="tx1"/>
+                </a:solidFill>
+                <a:latin typeface="+mj-lt"/>
+              </a:rPr>
+              <a:t>) {</a:t>
+            </a:r>
+            <a:br>
+              <a:rPr lang="en-US" sz="1200" dirty="0">
+                <a:solidFill>
+                  <a:schemeClr val="tx1"/>
+                </a:solidFill>
+                <a:latin typeface="+mj-lt"/>
+              </a:rPr>
+            </a:br>
+            <a:r>
+              <a:rPr lang="en-US" sz="1200" dirty="0">
+                <a:solidFill>
+                  <a:schemeClr val="tx1"/>
+                </a:solidFill>
+                <a:latin typeface="+mj-lt"/>
+              </a:rPr>
+              <a:t>// "Producing Code" (May take some time)</a:t>
+            </a:r>
+            <a:br>
+              <a:rPr lang="en-US" sz="1200" dirty="0">
+                <a:solidFill>
+                  <a:schemeClr val="tx1"/>
+                </a:solidFill>
+                <a:latin typeface="+mj-lt"/>
+              </a:rPr>
+            </a:br>
+            <a:r>
+              <a:rPr lang="en-US" sz="1200" dirty="0">
+                <a:solidFill>
+                  <a:schemeClr val="tx1"/>
+                </a:solidFill>
+                <a:latin typeface="+mj-lt"/>
+              </a:rPr>
+              <a:t/>
+            </a:r>
+            <a:br>
+              <a:rPr lang="en-US" sz="1200" dirty="0">
+                <a:solidFill>
+                  <a:schemeClr val="tx1"/>
+                </a:solidFill>
+                <a:latin typeface="+mj-lt"/>
+              </a:rPr>
+            </a:br>
+            <a:r>
+              <a:rPr lang="en-US" sz="1200" dirty="0">
+                <a:solidFill>
+                  <a:schemeClr val="tx1"/>
+                </a:solidFill>
+                <a:latin typeface="+mj-lt"/>
+              </a:rPr>
+              <a:t>  </a:t>
+            </a:r>
+            <a:r>
+              <a:rPr lang="en-US" sz="1200" dirty="0" err="1">
+                <a:solidFill>
+                  <a:schemeClr val="tx1"/>
+                </a:solidFill>
+                <a:latin typeface="+mj-lt"/>
+              </a:rPr>
+              <a:t>myResolve</a:t>
+            </a:r>
+            <a:r>
+              <a:rPr lang="en-US" sz="1200" dirty="0">
+                <a:solidFill>
+                  <a:schemeClr val="tx1"/>
+                </a:solidFill>
+                <a:latin typeface="+mj-lt"/>
+              </a:rPr>
+              <a:t>(); // when successful</a:t>
+            </a:r>
+            <a:br>
+              <a:rPr lang="en-US" sz="1200" dirty="0">
+                <a:solidFill>
+                  <a:schemeClr val="tx1"/>
+                </a:solidFill>
+                <a:latin typeface="+mj-lt"/>
+              </a:rPr>
+            </a:br>
+            <a:r>
+              <a:rPr lang="en-US" sz="1200" dirty="0">
+                <a:solidFill>
+                  <a:schemeClr val="tx1"/>
+                </a:solidFill>
+                <a:latin typeface="+mj-lt"/>
+              </a:rPr>
+              <a:t>  </a:t>
+            </a:r>
+            <a:r>
+              <a:rPr lang="en-US" sz="1200" dirty="0" err="1">
+                <a:solidFill>
+                  <a:schemeClr val="tx1"/>
+                </a:solidFill>
+                <a:latin typeface="+mj-lt"/>
+              </a:rPr>
+              <a:t>myReject</a:t>
+            </a:r>
+            <a:r>
+              <a:rPr lang="en-US" sz="1200" dirty="0">
+                <a:solidFill>
+                  <a:schemeClr val="tx1"/>
+                </a:solidFill>
+                <a:latin typeface="+mj-lt"/>
+              </a:rPr>
+              <a:t>();  // when error</a:t>
+            </a:r>
+            <a:br>
+              <a:rPr lang="en-US" sz="1200" dirty="0">
+                <a:solidFill>
+                  <a:schemeClr val="tx1"/>
+                </a:solidFill>
+                <a:latin typeface="+mj-lt"/>
+              </a:rPr>
+            </a:br>
+            <a:r>
+              <a:rPr lang="en-US" sz="1200" dirty="0">
+                <a:solidFill>
+                  <a:schemeClr val="tx1"/>
+                </a:solidFill>
+                <a:latin typeface="+mj-lt"/>
+              </a:rPr>
+              <a:t>});</a:t>
+            </a:r>
+            <a:br>
+              <a:rPr lang="en-US" sz="1200" dirty="0">
+                <a:solidFill>
+                  <a:schemeClr val="tx1"/>
+                </a:solidFill>
+                <a:latin typeface="+mj-lt"/>
+              </a:rPr>
+            </a:br>
+            <a:r>
+              <a:rPr lang="en-US" sz="1200" dirty="0">
+                <a:solidFill>
+                  <a:schemeClr val="tx1"/>
+                </a:solidFill>
+                <a:latin typeface="+mj-lt"/>
+              </a:rPr>
+              <a:t/>
+            </a:r>
+            <a:br>
+              <a:rPr lang="en-US" sz="1200" dirty="0">
+                <a:solidFill>
+                  <a:schemeClr val="tx1"/>
+                </a:solidFill>
+                <a:latin typeface="+mj-lt"/>
+              </a:rPr>
+            </a:br>
+            <a:r>
+              <a:rPr lang="en-US" sz="1200" dirty="0">
+                <a:solidFill>
+                  <a:schemeClr val="tx1"/>
+                </a:solidFill>
+                <a:latin typeface="+mj-lt"/>
+              </a:rPr>
+              <a:t>// "Consuming Code" (Must wait for a fulfilled Promise)</a:t>
+            </a:r>
+            <a:br>
+              <a:rPr lang="en-US" sz="1200" dirty="0">
+                <a:solidFill>
+                  <a:schemeClr val="tx1"/>
+                </a:solidFill>
+                <a:latin typeface="+mj-lt"/>
+              </a:rPr>
+            </a:br>
+            <a:r>
+              <a:rPr lang="en-US" sz="1200" dirty="0" err="1">
+                <a:solidFill>
+                  <a:schemeClr val="tx1"/>
+                </a:solidFill>
+                <a:latin typeface="+mj-lt"/>
+              </a:rPr>
+              <a:t>myPromise.then</a:t>
+            </a:r>
+            <a:r>
+              <a:rPr lang="en-US" sz="1200" dirty="0">
+                <a:solidFill>
+                  <a:schemeClr val="tx1"/>
+                </a:solidFill>
+                <a:latin typeface="+mj-lt"/>
+              </a:rPr>
+              <a:t>(</a:t>
+            </a:r>
+            <a:br>
+              <a:rPr lang="en-US" sz="1200" dirty="0">
+                <a:solidFill>
+                  <a:schemeClr val="tx1"/>
+                </a:solidFill>
+                <a:latin typeface="+mj-lt"/>
+              </a:rPr>
+            </a:br>
+            <a:r>
+              <a:rPr lang="en-US" sz="1200" dirty="0">
+                <a:solidFill>
+                  <a:schemeClr val="tx1"/>
+                </a:solidFill>
+                <a:latin typeface="+mj-lt"/>
+              </a:rPr>
+              <a:t>  function(value) { /* code if successful */ },</a:t>
+            </a:r>
+            <a:br>
+              <a:rPr lang="en-US" sz="1200" dirty="0">
+                <a:solidFill>
+                  <a:schemeClr val="tx1"/>
+                </a:solidFill>
+                <a:latin typeface="+mj-lt"/>
+              </a:rPr>
+            </a:br>
+            <a:r>
+              <a:rPr lang="en-US" sz="1200" dirty="0">
+                <a:solidFill>
+                  <a:schemeClr val="tx1"/>
+                </a:solidFill>
+                <a:latin typeface="+mj-lt"/>
+              </a:rPr>
+              <a:t>  function(error) { /* code if some error */ }</a:t>
+            </a:r>
+            <a:br>
+              <a:rPr lang="en-US" sz="1200" dirty="0">
+                <a:solidFill>
+                  <a:schemeClr val="tx1"/>
+                </a:solidFill>
+                <a:latin typeface="+mj-lt"/>
+              </a:rPr>
+            </a:br>
+            <a:r>
+              <a:rPr lang="en-US" sz="1200" dirty="0" smtClean="0">
+                <a:solidFill>
+                  <a:schemeClr val="tx1"/>
+                </a:solidFill>
+                <a:latin typeface="+mj-lt"/>
+              </a:rPr>
+              <a:t>);</a:t>
+            </a:r>
+            <a:endParaRPr lang="en-US" dirty="0"/>
+          </a:p>
+        </p:txBody>
+      </p:sp>
+    </p:spTree>
+    <p:extLst>
+      <p:ext uri="{BB962C8B-B14F-4D97-AF65-F5344CB8AC3E}">
+        <p14:creationId xmlns:p14="http://schemas.microsoft.com/office/powerpoint/2010/main" val="1149204497"/>
+      </p:ext>
+    </p:extLst>
+  </p:cSld>
+  <p:clrMapOvr>
+    <a:masterClrMapping/>
+  </p:clrMapOvr>
+  <p:timing>
+    <p:tnLst>
+      <p:par>
+        <p:cTn id="1" dur="indefinite" restart="never" nodeType="tmRoot"/>
+      </p:par>
+    </p:tnLst>
+  </p:timing>
+</p:sld>
+</file>
+
+<file path=ppt/slides/slide12.xml><?xml version="1.0" encoding="utf-8"?>
+<p:sld xmlns:a="http://schemas.openxmlformats.org/drawingml/2006/main" xmlns:r="http://schemas.openxmlformats.org/officeDocument/2006/relationships" xmlns:p="http://schemas.openxmlformats.org/presentationml/2006/main">
+  <p:cSld>
+    <p:spTree>
+      <p:nvGrpSpPr>
+        <p:cNvPr id="1" name="Shape 102"/>
+        <p:cNvGrpSpPr/>
+        <p:nvPr/>
+      </p:nvGrpSpPr>
+      <p:grpSpPr>
+        <a:xfrm>
+          <a:off x="0" y="0"/>
+          <a:ext cx="0" cy="0"/>
+          <a:chOff x="0" y="0"/>
+          <a:chExt cx="0" cy="0"/>
+        </a:xfrm>
+      </p:grpSpPr>
+      <p:sp>
+        <p:nvSpPr>
+          <p:cNvPr id="103" name="Google Shape;103;p16"/>
+          <p:cNvSpPr txBox="1">
+            <a:spLocks noGrp="1"/>
+          </p:cNvSpPr>
+          <p:nvPr>
+            <p:ph type="title"/>
+          </p:nvPr>
+        </p:nvSpPr>
+        <p:spPr>
+          <a:xfrm>
+            <a:off x="0" y="-106777"/>
+            <a:ext cx="9144000" cy="607800"/>
+          </a:xfrm>
+          <a:prstGeom prst="rect">
+            <a:avLst/>
+          </a:prstGeom>
+        </p:spPr>
+        <p:txBody>
+          <a:bodyPr spcFirstLastPara="1" wrap="square" lIns="91425" tIns="91425" rIns="91425" bIns="91425" anchor="t" anchorCtr="0">
+            <a:noAutofit/>
+          </a:bodyPr>
+          <a:lstStyle/>
+          <a:p>
+            <a:pPr lvl="0" algn="ctr">
+              <a:buSzPts val="990"/>
+            </a:pPr>
+            <a:r>
+              <a:rPr lang="en" sz="2600" b="1" dirty="0" smtClean="0"/>
+              <a:t>JAVA SCRIPT ASYNC /AWAIT</a:t>
+            </a:r>
+            <a:endParaRPr sz="2600" b="1" dirty="0"/>
+          </a:p>
+        </p:txBody>
+      </p:sp>
+      <p:graphicFrame>
+        <p:nvGraphicFramePr>
+          <p:cNvPr id="2" name="Table 1"/>
+          <p:cNvGraphicFramePr>
+            <a:graphicFrameLocks noGrp="1"/>
+          </p:cNvGraphicFramePr>
+          <p:nvPr>
+            <p:extLst>
+              <p:ext uri="{D42A27DB-BD31-4B8C-83A1-F6EECF244321}">
+                <p14:modId xmlns:p14="http://schemas.microsoft.com/office/powerpoint/2010/main" val="916802834"/>
+              </p:ext>
+            </p:extLst>
+          </p:nvPr>
+        </p:nvGraphicFramePr>
+        <p:xfrm>
+          <a:off x="207097" y="683446"/>
+          <a:ext cx="7565608" cy="914400"/>
+        </p:xfrm>
+        <a:graphic>
+          <a:graphicData uri="http://schemas.openxmlformats.org/drawingml/2006/table">
+            <a:tbl>
+              <a:tblPr/>
+              <a:tblGrid>
+                <a:gridCol w="3782804">
+                  <a:extLst>
+                    <a:ext uri="{9D8B030D-6E8A-4147-A177-3AD203B41FA5}">
+                      <a16:colId xmlns:a16="http://schemas.microsoft.com/office/drawing/2014/main" val="1451308822"/>
+                    </a:ext>
+                  </a:extLst>
+                </a:gridCol>
+                <a:gridCol w="3782804">
+                  <a:extLst>
+                    <a:ext uri="{9D8B030D-6E8A-4147-A177-3AD203B41FA5}">
+                      <a16:colId xmlns:a16="http://schemas.microsoft.com/office/drawing/2014/main" val="4010977042"/>
+                    </a:ext>
+                  </a:extLst>
+                </a:gridCol>
+              </a:tblGrid>
+              <a:tr h="0">
+                <a:tc>
+                  <a:txBody>
+                    <a:bodyPr/>
+                    <a:lstStyle/>
+                    <a:p>
+                      <a:pPr algn="l" fontAlgn="t"/>
+                      <a:r>
+                        <a:rPr lang="en-US" sz="1200" b="1" dirty="0" smtClean="0">
+                          <a:effectLst/>
+                        </a:rPr>
+                        <a:t>When Promise</a:t>
+                      </a:r>
+                      <a:endParaRPr lang="en-US" sz="1200" b="1" dirty="0">
+                        <a:effectLst/>
+                      </a:endParaRPr>
+                    </a:p>
+                  </a:txBody>
+                  <a:tcPr marL="121920" marR="60960" marT="60960" marB="60960">
+                    <a:lnL w="7620" cap="flat" cmpd="sng" algn="ctr">
+                      <a:solidFill>
+                        <a:srgbClr val="CCCCCC"/>
+                      </a:solidFill>
+                      <a:prstDash val="solid"/>
+                      <a:round/>
+                      <a:headEnd type="none" w="med" len="med"/>
+                      <a:tailEnd type="none" w="med" len="med"/>
+                    </a:lnL>
+                    <a:lnR w="7620" cap="flat" cmpd="sng" algn="ctr">
+                      <a:solidFill>
+                        <a:srgbClr val="CCCCCC"/>
+                      </a:solidFill>
+                      <a:prstDash val="solid"/>
+                      <a:round/>
+                      <a:headEnd type="none" w="med" len="med"/>
+                      <a:tailEnd type="none" w="med" len="med"/>
+                    </a:lnR>
+                    <a:lnT w="7620" cap="flat" cmpd="sng" algn="ctr">
+                      <a:solidFill>
+                        <a:srgbClr val="CCCCCC"/>
+                      </a:solidFill>
+                      <a:prstDash val="solid"/>
+                      <a:round/>
+                      <a:headEnd type="none" w="med" len="med"/>
+                      <a:tailEnd type="none" w="med" len="med"/>
+                    </a:lnT>
+                    <a:lnB w="7620" cap="flat" cmpd="sng" algn="ctr">
+                      <a:solidFill>
+                        <a:srgbClr val="CCCCCC"/>
+                      </a:solidFill>
+                      <a:prstDash val="solid"/>
+                      <a:round/>
+                      <a:headEnd type="none" w="med" len="med"/>
+                      <a:tailEnd type="none" w="med" len="med"/>
+                    </a:lnB>
+                    <a:solidFill>
+                      <a:srgbClr val="FFFFFF"/>
+                    </a:solidFill>
+                  </a:tcPr>
+                </a:tc>
+                <a:tc>
+                  <a:txBody>
+                    <a:bodyPr/>
+                    <a:lstStyle/>
+                    <a:p>
+                      <a:pPr algn="l" fontAlgn="t"/>
+                      <a:r>
+                        <a:rPr lang="en-US" sz="1200" b="1" dirty="0" smtClean="0">
+                          <a:effectLst/>
+                        </a:rPr>
+                        <a:t>Call Promise</a:t>
+                      </a:r>
+                      <a:endParaRPr lang="en-US" sz="1200" b="1" dirty="0">
+                        <a:effectLst/>
+                      </a:endParaRPr>
+                    </a:p>
+                  </a:txBody>
+                  <a:tcPr marL="60960" marR="60960" marT="60960" marB="60960">
+                    <a:lnL w="7620" cap="flat" cmpd="sng" algn="ctr">
+                      <a:solidFill>
+                        <a:srgbClr val="CCCCCC"/>
+                      </a:solidFill>
+                      <a:prstDash val="solid"/>
+                      <a:round/>
+                      <a:headEnd type="none" w="med" len="med"/>
+                      <a:tailEnd type="none" w="med" len="med"/>
+                    </a:lnL>
+                    <a:lnR w="7620" cap="flat" cmpd="sng" algn="ctr">
+                      <a:solidFill>
+                        <a:srgbClr val="CCCCCC"/>
+                      </a:solidFill>
+                      <a:prstDash val="solid"/>
+                      <a:round/>
+                      <a:headEnd type="none" w="med" len="med"/>
+                      <a:tailEnd type="none" w="med" len="med"/>
+                    </a:lnR>
+                    <a:lnT w="7620" cap="flat" cmpd="sng" algn="ctr">
+                      <a:solidFill>
+                        <a:srgbClr val="CCCCCC"/>
+                      </a:solidFill>
+                      <a:prstDash val="solid"/>
+                      <a:round/>
+                      <a:headEnd type="none" w="med" len="med"/>
+                      <a:tailEnd type="none" w="med" len="med"/>
+                    </a:lnT>
+                    <a:lnB w="7620" cap="flat" cmpd="sng" algn="ctr">
+                      <a:solidFill>
+                        <a:srgbClr val="CCCCCC"/>
+                      </a:solidFill>
+                      <a:prstDash val="solid"/>
+                      <a:round/>
+                      <a:headEnd type="none" w="med" len="med"/>
+                      <a:tailEnd type="none" w="med" len="med"/>
+                    </a:lnB>
+                    <a:solidFill>
+                      <a:srgbClr val="FFFFFF"/>
+                    </a:solidFill>
+                  </a:tcPr>
+                </a:tc>
+                <a:extLst>
+                  <a:ext uri="{0D108BD9-81ED-4DB2-BD59-A6C34878D82A}">
+                    <a16:rowId xmlns:a16="http://schemas.microsoft.com/office/drawing/2014/main" val="2356831585"/>
+                  </a:ext>
+                </a:extLst>
+              </a:tr>
+              <a:tr h="0">
+                <a:tc>
+                  <a:txBody>
+                    <a:bodyPr/>
+                    <a:lstStyle/>
+                    <a:p>
+                      <a:pPr algn="l" fontAlgn="t"/>
+                      <a:r>
+                        <a:rPr lang="en-US" sz="1200" dirty="0">
+                          <a:effectLst/>
+                        </a:rPr>
+                        <a:t>Success</a:t>
+                      </a:r>
+                    </a:p>
+                  </a:txBody>
+                  <a:tcPr marL="121920" marR="60960" marT="60960" marB="60960">
+                    <a:lnL w="7620" cap="flat" cmpd="sng" algn="ctr">
+                      <a:solidFill>
+                        <a:srgbClr val="CCCCCC"/>
+                      </a:solidFill>
+                      <a:prstDash val="solid"/>
+                      <a:round/>
+                      <a:headEnd type="none" w="med" len="med"/>
+                      <a:tailEnd type="none" w="med" len="med"/>
+                    </a:lnL>
+                    <a:lnR w="7620" cap="flat" cmpd="sng" algn="ctr">
+                      <a:solidFill>
+                        <a:srgbClr val="CCCCCC"/>
+                      </a:solidFill>
+                      <a:prstDash val="solid"/>
+                      <a:round/>
+                      <a:headEnd type="none" w="med" len="med"/>
+                      <a:tailEnd type="none" w="med" len="med"/>
+                    </a:lnR>
+                    <a:lnT w="7620" cap="flat" cmpd="sng" algn="ctr">
+                      <a:solidFill>
+                        <a:srgbClr val="CCCCCC"/>
+                      </a:solidFill>
+                      <a:prstDash val="solid"/>
+                      <a:round/>
+                      <a:headEnd type="none" w="med" len="med"/>
+                      <a:tailEnd type="none" w="med" len="med"/>
+                    </a:lnT>
+                    <a:lnB w="7620" cap="flat" cmpd="sng" algn="ctr">
+                      <a:solidFill>
+                        <a:srgbClr val="CCCCCC"/>
+                      </a:solidFill>
+                      <a:prstDash val="solid"/>
+                      <a:round/>
+                      <a:headEnd type="none" w="med" len="med"/>
+                      <a:tailEnd type="none" w="med" len="med"/>
+                    </a:lnB>
+                    <a:solidFill>
+                      <a:srgbClr val="E7E9EB"/>
+                    </a:solidFill>
+                  </a:tcPr>
+                </a:tc>
+                <a:tc>
+                  <a:txBody>
+                    <a:bodyPr/>
+                    <a:lstStyle/>
+                    <a:p>
+                      <a:pPr algn="l" fontAlgn="t"/>
+                      <a:r>
+                        <a:rPr lang="en-US" sz="1200">
+                          <a:effectLst/>
+                        </a:rPr>
+                        <a:t>myResolve(result value)</a:t>
+                      </a:r>
+                    </a:p>
+                  </a:txBody>
+                  <a:tcPr marL="60960" marR="60960" marT="60960" marB="60960">
+                    <a:lnL w="7620" cap="flat" cmpd="sng" algn="ctr">
+                      <a:solidFill>
+                        <a:srgbClr val="CCCCCC"/>
+                      </a:solidFill>
+                      <a:prstDash val="solid"/>
+                      <a:round/>
+                      <a:headEnd type="none" w="med" len="med"/>
+                      <a:tailEnd type="none" w="med" len="med"/>
+                    </a:lnL>
+                    <a:lnR w="7620" cap="flat" cmpd="sng" algn="ctr">
+                      <a:solidFill>
+                        <a:srgbClr val="CCCCCC"/>
+                      </a:solidFill>
+                      <a:prstDash val="solid"/>
+                      <a:round/>
+                      <a:headEnd type="none" w="med" len="med"/>
+                      <a:tailEnd type="none" w="med" len="med"/>
+                    </a:lnR>
+                    <a:lnT w="7620" cap="flat" cmpd="sng" algn="ctr">
+                      <a:solidFill>
+                        <a:srgbClr val="CCCCCC"/>
+                      </a:solidFill>
+                      <a:prstDash val="solid"/>
+                      <a:round/>
+                      <a:headEnd type="none" w="med" len="med"/>
+                      <a:tailEnd type="none" w="med" len="med"/>
+                    </a:lnT>
+                    <a:lnB w="7620" cap="flat" cmpd="sng" algn="ctr">
+                      <a:solidFill>
+                        <a:srgbClr val="CCCCCC"/>
+                      </a:solidFill>
+                      <a:prstDash val="solid"/>
+                      <a:round/>
+                      <a:headEnd type="none" w="med" len="med"/>
+                      <a:tailEnd type="none" w="med" len="med"/>
+                    </a:lnB>
+                    <a:solidFill>
+                      <a:srgbClr val="E7E9EB"/>
+                    </a:solidFill>
+                  </a:tcPr>
+                </a:tc>
+                <a:extLst>
+                  <a:ext uri="{0D108BD9-81ED-4DB2-BD59-A6C34878D82A}">
+                    <a16:rowId xmlns:a16="http://schemas.microsoft.com/office/drawing/2014/main" val="3204208759"/>
+                  </a:ext>
+                </a:extLst>
+              </a:tr>
+              <a:tr h="0">
+                <a:tc>
+                  <a:txBody>
+                    <a:bodyPr/>
+                    <a:lstStyle/>
+                    <a:p>
+                      <a:pPr algn="l" fontAlgn="t"/>
+                      <a:r>
+                        <a:rPr lang="en-US" sz="1200" dirty="0">
+                          <a:effectLst/>
+                        </a:rPr>
+                        <a:t>Error</a:t>
+                      </a:r>
+                    </a:p>
+                  </a:txBody>
+                  <a:tcPr marL="121920" marR="60960" marT="60960" marB="60960">
+                    <a:lnL w="7620" cap="flat" cmpd="sng" algn="ctr">
+                      <a:solidFill>
+                        <a:srgbClr val="CCCCCC"/>
+                      </a:solidFill>
+                      <a:prstDash val="solid"/>
+                      <a:round/>
+                      <a:headEnd type="none" w="med" len="med"/>
+                      <a:tailEnd type="none" w="med" len="med"/>
+                    </a:lnL>
+                    <a:lnR w="7620" cap="flat" cmpd="sng" algn="ctr">
+                      <a:solidFill>
+                        <a:srgbClr val="CCCCCC"/>
+                      </a:solidFill>
+                      <a:prstDash val="solid"/>
+                      <a:round/>
+                      <a:headEnd type="none" w="med" len="med"/>
+                      <a:tailEnd type="none" w="med" len="med"/>
+                    </a:lnR>
+                    <a:lnT w="7620" cap="flat" cmpd="sng" algn="ctr">
+                      <a:solidFill>
+                        <a:srgbClr val="CCCCCC"/>
+                      </a:solidFill>
+                      <a:prstDash val="solid"/>
+                      <a:round/>
+                      <a:headEnd type="none" w="med" len="med"/>
+                      <a:tailEnd type="none" w="med" len="med"/>
+                    </a:lnT>
+                    <a:lnB w="7620" cap="flat" cmpd="sng" algn="ctr">
+                      <a:solidFill>
+                        <a:srgbClr val="DDDDDD"/>
+                      </a:solidFill>
+                      <a:prstDash val="solid"/>
+                      <a:round/>
+                      <a:headEnd type="none" w="med" len="med"/>
+                      <a:tailEnd type="none" w="med" len="med"/>
+                    </a:lnB>
+                    <a:solidFill>
+                      <a:srgbClr val="FFFFFF"/>
+                    </a:solidFill>
+                  </a:tcPr>
+                </a:tc>
+                <a:tc>
+                  <a:txBody>
+                    <a:bodyPr/>
+                    <a:lstStyle/>
+                    <a:p>
+                      <a:pPr algn="l" fontAlgn="t"/>
+                      <a:r>
+                        <a:rPr lang="en-US" sz="1200" dirty="0" err="1">
+                          <a:effectLst/>
+                        </a:rPr>
+                        <a:t>myReject</a:t>
+                      </a:r>
+                      <a:r>
+                        <a:rPr lang="en-US" sz="1200" dirty="0">
+                          <a:effectLst/>
+                        </a:rPr>
+                        <a:t>(error object)</a:t>
+                      </a:r>
+                    </a:p>
+                  </a:txBody>
+                  <a:tcPr marL="60960" marR="60960" marT="60960" marB="60960">
+                    <a:lnL w="7620" cap="flat" cmpd="sng" algn="ctr">
+                      <a:solidFill>
+                        <a:srgbClr val="CCCCCC"/>
+                      </a:solidFill>
+                      <a:prstDash val="solid"/>
+                      <a:round/>
+                      <a:headEnd type="none" w="med" len="med"/>
+                      <a:tailEnd type="none" w="med" len="med"/>
+                    </a:lnL>
+                    <a:lnR w="7620" cap="flat" cmpd="sng" algn="ctr">
+                      <a:solidFill>
+                        <a:srgbClr val="CCCCCC"/>
+                      </a:solidFill>
+                      <a:prstDash val="solid"/>
+                      <a:round/>
+                      <a:headEnd type="none" w="med" len="med"/>
+                      <a:tailEnd type="none" w="med" len="med"/>
+                    </a:lnR>
+                    <a:lnT w="7620" cap="flat" cmpd="sng" algn="ctr">
+                      <a:solidFill>
+                        <a:srgbClr val="CCCCCC"/>
+                      </a:solidFill>
+                      <a:prstDash val="solid"/>
+                      <a:round/>
+                      <a:headEnd type="none" w="med" len="med"/>
+                      <a:tailEnd type="none" w="med" len="med"/>
+                    </a:lnT>
+                    <a:lnB w="7620" cap="flat" cmpd="sng" algn="ctr">
+                      <a:solidFill>
+                        <a:srgbClr val="DDDDDD"/>
+                      </a:solidFill>
+                      <a:prstDash val="solid"/>
+                      <a:round/>
+                      <a:headEnd type="none" w="med" len="med"/>
+                      <a:tailEnd type="none" w="med" len="med"/>
+                    </a:lnB>
+                    <a:solidFill>
+                      <a:srgbClr val="FFFFFF"/>
+                    </a:solidFill>
+                  </a:tcPr>
+                </a:tc>
+                <a:extLst>
+                  <a:ext uri="{0D108BD9-81ED-4DB2-BD59-A6C34878D82A}">
+                    <a16:rowId xmlns:a16="http://schemas.microsoft.com/office/drawing/2014/main" val="2235884646"/>
+                  </a:ext>
+                </a:extLst>
+              </a:tr>
+            </a:tbl>
+          </a:graphicData>
+        </a:graphic>
+      </p:graphicFrame>
+      <p:sp>
+        <p:nvSpPr>
+          <p:cNvPr id="3" name="Rectangle 1"/>
+          <p:cNvSpPr>
+            <a:spLocks noChangeArrowheads="1"/>
+          </p:cNvSpPr>
+          <p:nvPr/>
+        </p:nvSpPr>
+        <p:spPr bwMode="auto">
+          <a:xfrm>
+            <a:off x="207097" y="299413"/>
+            <a:ext cx="9144000" cy="457200"/>
+          </a:xfrm>
+          <a:prstGeom prst="rect">
+            <a:avLst/>
+          </a:prstGeom>
+          <a:noFill/>
+          <a:ln>
+            <a:noFill/>
+          </a:ln>
+          <a:effectLst/>
+          <a:extLst>
+            <a:ext uri="{909E8E84-426E-40DD-AFC4-6F175D3DCCD1}">
+              <a14:hiddenFill xmlns:a14="http://schemas.microsoft.com/office/drawing/2010/main">
+                <a:solidFill>
+                  <a:schemeClr val="accent1"/>
+                </a:solidFill>
+              </a14:hiddenFill>
+            </a:ext>
+            <a:ext uri="{91240B29-F687-4F45-9708-019B960494DF}">
+              <a14:hiddenLine xmlns:a14="http://schemas.microsoft.com/office/drawing/2010/main" w="9525">
+                <a:solidFill>
+                  <a:schemeClr val="tx1"/>
+                </a:solidFill>
+                <a:miter lim="800000"/>
+                <a:headEnd/>
+                <a:tailEnd/>
+              </a14:hiddenLine>
+            </a:ext>
+            <a:ext uri="{AF507438-7753-43E0-B8FC-AC1667EBCBE1}">
+              <a14:hiddenEffects xmlns:a14="http://schemas.microsoft.com/office/drawing/2010/main">
+                <a:effectLst>
+                  <a:outerShdw dist="35921" dir="2700000" algn="ctr" rotWithShape="0">
+                    <a:schemeClr val="bg2"/>
+                  </a:outerShdw>
+                </a:effectLst>
+              </a14:hiddenEffects>
+            </a:ext>
+          </a:extLst>
+        </p:spPr>
+        <p:txBody>
+          <a:bodyPr vert="horz" wrap="none" lIns="91440" tIns="45720" rIns="91440" bIns="45720" numCol="1" anchor="ctr" anchorCtr="0" compatLnSpc="1">
+            <a:prstTxWarp prst="textNoShape">
+              <a:avLst/>
+            </a:prstTxWarp>
+            <a:spAutoFit/>
+          </a:bodyPr>
+          <a:lstStyle/>
+          <a:p>
+            <a:pPr marL="0" marR="0" lvl="0" indent="0" algn="l" defTabSz="914400" rtl="0" eaLnBrk="0" fontAlgn="base" latinLnBrk="0" hangingPunct="0">
+              <a:lnSpc>
+                <a:spcPct val="100000"/>
+              </a:lnSpc>
+              <a:spcBef>
+                <a:spcPct val="0"/>
+              </a:spcBef>
+              <a:spcAft>
+                <a:spcPct val="0"/>
+              </a:spcAft>
+              <a:buClrTx/>
+              <a:buSzTx/>
+              <a:buFontTx/>
+              <a:buNone/>
+              <a:tabLst/>
+            </a:pPr>
+            <a:r>
+              <a:rPr kumimoji="0" lang="en-US" altLang="en-US" sz="1100" b="0" i="0" u="none" strike="noStrike" cap="none" normalizeH="0" baseline="0" dirty="0" smtClean="0">
+                <a:ln>
+                  <a:noFill/>
+                </a:ln>
+                <a:solidFill>
+                  <a:srgbClr val="000000"/>
+                </a:solidFill>
+                <a:effectLst/>
+                <a:latin typeface="Verdana" panose="020B0604030504040204" pitchFamily="34" charset="0"/>
+              </a:rPr>
+              <a:t>When the producing code obtains the result, it should call one of the two callbacks:</a:t>
+            </a:r>
+            <a:endParaRPr kumimoji="0" lang="en-US" altLang="en-US" sz="1800" b="0" i="0" u="none" strike="noStrike" cap="none" normalizeH="0" baseline="0" dirty="0" smtClean="0">
+              <a:ln>
+                <a:noFill/>
+              </a:ln>
+              <a:solidFill>
+                <a:schemeClr val="tx1"/>
+              </a:solidFill>
+              <a:effectLst/>
+              <a:latin typeface="Arial" panose="020B0604020202020204" pitchFamily="34" charset="0"/>
+            </a:endParaRPr>
+          </a:p>
+        </p:txBody>
+      </p:sp>
+      <p:sp>
+        <p:nvSpPr>
+          <p:cNvPr id="4" name="Rectangle 3"/>
+          <p:cNvSpPr/>
+          <p:nvPr/>
+        </p:nvSpPr>
+        <p:spPr>
+          <a:xfrm>
+            <a:off x="158301" y="1656452"/>
+            <a:ext cx="7516812" cy="1938992"/>
+          </a:xfrm>
+          <a:prstGeom prst="rect">
+            <a:avLst/>
+          </a:prstGeom>
+        </p:spPr>
+        <p:txBody>
+          <a:bodyPr wrap="square">
+            <a:spAutoFit/>
+          </a:bodyPr>
+          <a:lstStyle/>
+          <a:p>
+            <a:r>
+              <a:rPr lang="en-US" sz="1200" b="1" u="sng" dirty="0">
+                <a:latin typeface="+mj-lt"/>
+              </a:rPr>
+              <a:t>Promise Object </a:t>
+            </a:r>
+            <a:r>
+              <a:rPr lang="en-US" sz="1200" b="1" u="sng" dirty="0" smtClean="0">
+                <a:latin typeface="+mj-lt"/>
+              </a:rPr>
+              <a:t>Properties</a:t>
+            </a:r>
+          </a:p>
+          <a:p>
+            <a:r>
+              <a:rPr lang="en-US" sz="1200" dirty="0" smtClean="0">
+                <a:latin typeface="+mj-lt"/>
+              </a:rPr>
+              <a:t>A </a:t>
+            </a:r>
+            <a:r>
+              <a:rPr lang="en-US" sz="1200" dirty="0">
+                <a:latin typeface="+mj-lt"/>
+              </a:rPr>
+              <a:t>JavaScript Promise object can be:</a:t>
+            </a:r>
+          </a:p>
+          <a:p>
+            <a:pPr>
+              <a:buFont typeface="Arial" panose="020B0604020202020204" pitchFamily="34" charset="0"/>
+              <a:buChar char="•"/>
+            </a:pPr>
+            <a:r>
+              <a:rPr lang="en-US" sz="1200" dirty="0">
+                <a:latin typeface="+mj-lt"/>
+              </a:rPr>
+              <a:t>Pending</a:t>
+            </a:r>
+          </a:p>
+          <a:p>
+            <a:pPr>
+              <a:buFont typeface="Arial" panose="020B0604020202020204" pitchFamily="34" charset="0"/>
+              <a:buChar char="•"/>
+            </a:pPr>
+            <a:r>
+              <a:rPr lang="en-US" sz="1200" dirty="0">
+                <a:latin typeface="+mj-lt"/>
+              </a:rPr>
+              <a:t>Fulfilled</a:t>
+            </a:r>
+          </a:p>
+          <a:p>
+            <a:pPr>
+              <a:buFont typeface="Arial" panose="020B0604020202020204" pitchFamily="34" charset="0"/>
+              <a:buChar char="•"/>
+            </a:pPr>
+            <a:r>
+              <a:rPr lang="en-US" sz="1200" dirty="0" smtClean="0">
+                <a:latin typeface="+mj-lt"/>
+              </a:rPr>
+              <a:t>Rejected</a:t>
+            </a:r>
+          </a:p>
+          <a:p>
+            <a:pPr>
+              <a:buFont typeface="Arial" panose="020B0604020202020204" pitchFamily="34" charset="0"/>
+              <a:buChar char="•"/>
+            </a:pPr>
+            <a:endParaRPr lang="en-US" sz="1200" dirty="0">
+              <a:latin typeface="+mj-lt"/>
+            </a:endParaRPr>
+          </a:p>
+          <a:p>
+            <a:r>
+              <a:rPr lang="en-US" sz="1200" dirty="0">
+                <a:latin typeface="+mj-lt"/>
+              </a:rPr>
+              <a:t>The Promise object supports two properties: </a:t>
+            </a:r>
+            <a:r>
+              <a:rPr lang="en-US" sz="1200" b="1" dirty="0">
+                <a:latin typeface="+mj-lt"/>
+              </a:rPr>
+              <a:t>state</a:t>
+            </a:r>
+            <a:r>
+              <a:rPr lang="en-US" sz="1200" dirty="0">
+                <a:latin typeface="+mj-lt"/>
+              </a:rPr>
+              <a:t> and </a:t>
+            </a:r>
+            <a:r>
+              <a:rPr lang="en-US" sz="1200" b="1" dirty="0">
+                <a:latin typeface="+mj-lt"/>
+              </a:rPr>
+              <a:t>result</a:t>
+            </a:r>
+            <a:r>
+              <a:rPr lang="en-US" sz="1200" dirty="0">
+                <a:latin typeface="+mj-lt"/>
+              </a:rPr>
+              <a:t>.</a:t>
+            </a:r>
+          </a:p>
+          <a:p>
+            <a:r>
+              <a:rPr lang="en-US" sz="1200" dirty="0">
+                <a:latin typeface="+mj-lt"/>
+              </a:rPr>
+              <a:t>While a Promise object is "pending" (working), the result is undefined.</a:t>
+            </a:r>
+          </a:p>
+          <a:p>
+            <a:r>
+              <a:rPr lang="en-US" sz="1200" dirty="0">
+                <a:latin typeface="+mj-lt"/>
+              </a:rPr>
+              <a:t>When a Promise object is "fulfilled", the result is a value.</a:t>
+            </a:r>
+          </a:p>
+          <a:p>
+            <a:r>
+              <a:rPr lang="en-US" sz="1200" dirty="0">
+                <a:latin typeface="+mj-lt"/>
+              </a:rPr>
+              <a:t>When a Promise object is "rejected", the result is an error object.</a:t>
+            </a:r>
+          </a:p>
+        </p:txBody>
+      </p:sp>
+      <p:graphicFrame>
+        <p:nvGraphicFramePr>
+          <p:cNvPr id="5" name="Table 4"/>
+          <p:cNvGraphicFramePr>
+            <a:graphicFrameLocks noGrp="1"/>
+          </p:cNvGraphicFramePr>
+          <p:nvPr>
+            <p:extLst>
+              <p:ext uri="{D42A27DB-BD31-4B8C-83A1-F6EECF244321}">
+                <p14:modId xmlns:p14="http://schemas.microsoft.com/office/powerpoint/2010/main" val="3350578753"/>
+              </p:ext>
+            </p:extLst>
+          </p:nvPr>
+        </p:nvGraphicFramePr>
+        <p:xfrm>
+          <a:off x="207097" y="3628278"/>
+          <a:ext cx="7565608" cy="1219200"/>
+        </p:xfrm>
+        <a:graphic>
+          <a:graphicData uri="http://schemas.openxmlformats.org/drawingml/2006/table">
+            <a:tbl>
+              <a:tblPr/>
+              <a:tblGrid>
+                <a:gridCol w="3782804">
+                  <a:extLst>
+                    <a:ext uri="{9D8B030D-6E8A-4147-A177-3AD203B41FA5}">
+                      <a16:colId xmlns:a16="http://schemas.microsoft.com/office/drawing/2014/main" val="2867062540"/>
+                    </a:ext>
+                  </a:extLst>
+                </a:gridCol>
+                <a:gridCol w="3782804">
+                  <a:extLst>
+                    <a:ext uri="{9D8B030D-6E8A-4147-A177-3AD203B41FA5}">
+                      <a16:colId xmlns:a16="http://schemas.microsoft.com/office/drawing/2014/main" val="632826998"/>
+                    </a:ext>
+                  </a:extLst>
+                </a:gridCol>
+              </a:tblGrid>
+              <a:tr h="259773">
+                <a:tc>
+                  <a:txBody>
+                    <a:bodyPr/>
+                    <a:lstStyle/>
+                    <a:p>
+                      <a:pPr algn="l" fontAlgn="t"/>
+                      <a:r>
+                        <a:rPr lang="en-US" sz="1200" dirty="0" err="1">
+                          <a:effectLst/>
+                        </a:rPr>
+                        <a:t>myPromise.state</a:t>
+                      </a:r>
+                      <a:endParaRPr lang="en-US" sz="1200" dirty="0">
+                        <a:effectLst/>
+                      </a:endParaRPr>
+                    </a:p>
+                  </a:txBody>
+                  <a:tcPr marL="121920" marR="60960" marT="60960" marB="60960">
+                    <a:lnL w="7620" cap="flat" cmpd="sng" algn="ctr">
+                      <a:solidFill>
+                        <a:srgbClr val="CCCCCC"/>
+                      </a:solidFill>
+                      <a:prstDash val="solid"/>
+                      <a:round/>
+                      <a:headEnd type="none" w="med" len="med"/>
+                      <a:tailEnd type="none" w="med" len="med"/>
+                    </a:lnL>
+                    <a:lnR w="7620" cap="flat" cmpd="sng" algn="ctr">
+                      <a:solidFill>
+                        <a:srgbClr val="CCCCCC"/>
+                      </a:solidFill>
+                      <a:prstDash val="solid"/>
+                      <a:round/>
+                      <a:headEnd type="none" w="med" len="med"/>
+                      <a:tailEnd type="none" w="med" len="med"/>
+                    </a:lnR>
+                    <a:lnT w="7620" cap="flat" cmpd="sng" algn="ctr">
+                      <a:solidFill>
+                        <a:srgbClr val="CCCCCC"/>
+                      </a:solidFill>
+                      <a:prstDash val="solid"/>
+                      <a:round/>
+                      <a:headEnd type="none" w="med" len="med"/>
+                      <a:tailEnd type="none" w="med" len="med"/>
+                    </a:lnT>
+                    <a:lnB w="7620" cap="flat" cmpd="sng" algn="ctr">
+                      <a:solidFill>
+                        <a:srgbClr val="CCCCCC"/>
+                      </a:solidFill>
+                      <a:prstDash val="solid"/>
+                      <a:round/>
+                      <a:headEnd type="none" w="med" len="med"/>
+                      <a:tailEnd type="none" w="med" len="med"/>
+                    </a:lnB>
+                    <a:solidFill>
+                      <a:srgbClr val="FFFFFF"/>
+                    </a:solidFill>
+                  </a:tcPr>
+                </a:tc>
+                <a:tc>
+                  <a:txBody>
+                    <a:bodyPr/>
+                    <a:lstStyle/>
+                    <a:p>
+                      <a:pPr algn="l" fontAlgn="t"/>
+                      <a:r>
+                        <a:rPr lang="en-US" sz="1200">
+                          <a:effectLst/>
+                        </a:rPr>
+                        <a:t>myPromise.result</a:t>
+                      </a:r>
+                    </a:p>
+                  </a:txBody>
+                  <a:tcPr marL="60960" marR="60960" marT="60960" marB="60960">
+                    <a:lnL w="7620" cap="flat" cmpd="sng" algn="ctr">
+                      <a:solidFill>
+                        <a:srgbClr val="CCCCCC"/>
+                      </a:solidFill>
+                      <a:prstDash val="solid"/>
+                      <a:round/>
+                      <a:headEnd type="none" w="med" len="med"/>
+                      <a:tailEnd type="none" w="med" len="med"/>
+                    </a:lnL>
+                    <a:lnR w="7620" cap="flat" cmpd="sng" algn="ctr">
+                      <a:solidFill>
+                        <a:srgbClr val="CCCCCC"/>
+                      </a:solidFill>
+                      <a:prstDash val="solid"/>
+                      <a:round/>
+                      <a:headEnd type="none" w="med" len="med"/>
+                      <a:tailEnd type="none" w="med" len="med"/>
+                    </a:lnR>
+                    <a:lnT w="7620" cap="flat" cmpd="sng" algn="ctr">
+                      <a:solidFill>
+                        <a:srgbClr val="CCCCCC"/>
+                      </a:solidFill>
+                      <a:prstDash val="solid"/>
+                      <a:round/>
+                      <a:headEnd type="none" w="med" len="med"/>
+                      <a:tailEnd type="none" w="med" len="med"/>
+                    </a:lnT>
+                    <a:lnB w="7620" cap="flat" cmpd="sng" algn="ctr">
+                      <a:solidFill>
+                        <a:srgbClr val="CCCCCC"/>
+                      </a:solidFill>
+                      <a:prstDash val="solid"/>
+                      <a:round/>
+                      <a:headEnd type="none" w="med" len="med"/>
+                      <a:tailEnd type="none" w="med" len="med"/>
+                    </a:lnB>
+                    <a:solidFill>
+                      <a:srgbClr val="FFFFFF"/>
+                    </a:solidFill>
+                  </a:tcPr>
+                </a:tc>
+                <a:extLst>
+                  <a:ext uri="{0D108BD9-81ED-4DB2-BD59-A6C34878D82A}">
+                    <a16:rowId xmlns:a16="http://schemas.microsoft.com/office/drawing/2014/main" val="1014415937"/>
+                  </a:ext>
+                </a:extLst>
+              </a:tr>
+              <a:tr h="259773">
+                <a:tc>
+                  <a:txBody>
+                    <a:bodyPr/>
+                    <a:lstStyle/>
+                    <a:p>
+                      <a:pPr algn="l" fontAlgn="t"/>
+                      <a:r>
+                        <a:rPr lang="en-US" sz="1200" dirty="0">
+                          <a:effectLst/>
+                        </a:rPr>
+                        <a:t>"pending"</a:t>
+                      </a:r>
+                    </a:p>
+                  </a:txBody>
+                  <a:tcPr marL="121920" marR="60960" marT="60960" marB="60960">
+                    <a:lnL w="7620" cap="flat" cmpd="sng" algn="ctr">
+                      <a:solidFill>
+                        <a:srgbClr val="CCCCCC"/>
+                      </a:solidFill>
+                      <a:prstDash val="solid"/>
+                      <a:round/>
+                      <a:headEnd type="none" w="med" len="med"/>
+                      <a:tailEnd type="none" w="med" len="med"/>
+                    </a:lnL>
+                    <a:lnR w="7620" cap="flat" cmpd="sng" algn="ctr">
+                      <a:solidFill>
+                        <a:srgbClr val="CCCCCC"/>
+                      </a:solidFill>
+                      <a:prstDash val="solid"/>
+                      <a:round/>
+                      <a:headEnd type="none" w="med" len="med"/>
+                      <a:tailEnd type="none" w="med" len="med"/>
+                    </a:lnR>
+                    <a:lnT w="7620" cap="flat" cmpd="sng" algn="ctr">
+                      <a:solidFill>
+                        <a:srgbClr val="CCCCCC"/>
+                      </a:solidFill>
+                      <a:prstDash val="solid"/>
+                      <a:round/>
+                      <a:headEnd type="none" w="med" len="med"/>
+                      <a:tailEnd type="none" w="med" len="med"/>
+                    </a:lnT>
+                    <a:lnB w="7620" cap="flat" cmpd="sng" algn="ctr">
+                      <a:solidFill>
+                        <a:srgbClr val="CCCCCC"/>
+                      </a:solidFill>
+                      <a:prstDash val="solid"/>
+                      <a:round/>
+                      <a:headEnd type="none" w="med" len="med"/>
+                      <a:tailEnd type="none" w="med" len="med"/>
+                    </a:lnB>
+                    <a:solidFill>
+                      <a:srgbClr val="E7E9EB"/>
+                    </a:solidFill>
+                  </a:tcPr>
+                </a:tc>
+                <a:tc>
+                  <a:txBody>
+                    <a:bodyPr/>
+                    <a:lstStyle/>
+                    <a:p>
+                      <a:pPr algn="l" fontAlgn="t"/>
+                      <a:r>
+                        <a:rPr lang="en-US" sz="1200">
+                          <a:effectLst/>
+                        </a:rPr>
+                        <a:t>undefined</a:t>
+                      </a:r>
+                    </a:p>
+                  </a:txBody>
+                  <a:tcPr marL="60960" marR="60960" marT="60960" marB="60960">
+                    <a:lnL w="7620" cap="flat" cmpd="sng" algn="ctr">
+                      <a:solidFill>
+                        <a:srgbClr val="CCCCCC"/>
+                      </a:solidFill>
+                      <a:prstDash val="solid"/>
+                      <a:round/>
+                      <a:headEnd type="none" w="med" len="med"/>
+                      <a:tailEnd type="none" w="med" len="med"/>
+                    </a:lnL>
+                    <a:lnR w="7620" cap="flat" cmpd="sng" algn="ctr">
+                      <a:solidFill>
+                        <a:srgbClr val="CCCCCC"/>
+                      </a:solidFill>
+                      <a:prstDash val="solid"/>
+                      <a:round/>
+                      <a:headEnd type="none" w="med" len="med"/>
+                      <a:tailEnd type="none" w="med" len="med"/>
+                    </a:lnR>
+                    <a:lnT w="7620" cap="flat" cmpd="sng" algn="ctr">
+                      <a:solidFill>
+                        <a:srgbClr val="CCCCCC"/>
+                      </a:solidFill>
+                      <a:prstDash val="solid"/>
+                      <a:round/>
+                      <a:headEnd type="none" w="med" len="med"/>
+                      <a:tailEnd type="none" w="med" len="med"/>
+                    </a:lnT>
+                    <a:lnB w="7620" cap="flat" cmpd="sng" algn="ctr">
+                      <a:solidFill>
+                        <a:srgbClr val="CCCCCC"/>
+                      </a:solidFill>
+                      <a:prstDash val="solid"/>
+                      <a:round/>
+                      <a:headEnd type="none" w="med" len="med"/>
+                      <a:tailEnd type="none" w="med" len="med"/>
+                    </a:lnB>
+                    <a:solidFill>
+                      <a:srgbClr val="E7E9EB"/>
+                    </a:solidFill>
+                  </a:tcPr>
+                </a:tc>
+                <a:extLst>
+                  <a:ext uri="{0D108BD9-81ED-4DB2-BD59-A6C34878D82A}">
+                    <a16:rowId xmlns:a16="http://schemas.microsoft.com/office/drawing/2014/main" val="731691850"/>
+                  </a:ext>
+                </a:extLst>
+              </a:tr>
+              <a:tr h="259773">
+                <a:tc>
+                  <a:txBody>
+                    <a:bodyPr/>
+                    <a:lstStyle/>
+                    <a:p>
+                      <a:pPr algn="l" fontAlgn="t"/>
+                      <a:r>
+                        <a:rPr lang="en-US" sz="1200">
+                          <a:effectLst/>
+                        </a:rPr>
+                        <a:t>"fulfilled"</a:t>
+                      </a:r>
+                    </a:p>
+                  </a:txBody>
+                  <a:tcPr marL="121920" marR="60960" marT="60960" marB="60960">
+                    <a:lnL w="7620" cap="flat" cmpd="sng" algn="ctr">
+                      <a:solidFill>
+                        <a:srgbClr val="CCCCCC"/>
+                      </a:solidFill>
+                      <a:prstDash val="solid"/>
+                      <a:round/>
+                      <a:headEnd type="none" w="med" len="med"/>
+                      <a:tailEnd type="none" w="med" len="med"/>
+                    </a:lnL>
+                    <a:lnR w="7620" cap="flat" cmpd="sng" algn="ctr">
+                      <a:solidFill>
+                        <a:srgbClr val="CCCCCC"/>
+                      </a:solidFill>
+                      <a:prstDash val="solid"/>
+                      <a:round/>
+                      <a:headEnd type="none" w="med" len="med"/>
+                      <a:tailEnd type="none" w="med" len="med"/>
+                    </a:lnR>
+                    <a:lnT w="7620" cap="flat" cmpd="sng" algn="ctr">
+                      <a:solidFill>
+                        <a:srgbClr val="CCCCCC"/>
+                      </a:solidFill>
+                      <a:prstDash val="solid"/>
+                      <a:round/>
+                      <a:headEnd type="none" w="med" len="med"/>
+                      <a:tailEnd type="none" w="med" len="med"/>
+                    </a:lnT>
+                    <a:lnB w="7620" cap="flat" cmpd="sng" algn="ctr">
+                      <a:solidFill>
+                        <a:srgbClr val="CCCCCC"/>
+                      </a:solidFill>
+                      <a:prstDash val="solid"/>
+                      <a:round/>
+                      <a:headEnd type="none" w="med" len="med"/>
+                      <a:tailEnd type="none" w="med" len="med"/>
+                    </a:lnB>
+                    <a:solidFill>
+                      <a:srgbClr val="FFFFFF"/>
+                    </a:solidFill>
+                  </a:tcPr>
+                </a:tc>
+                <a:tc>
+                  <a:txBody>
+                    <a:bodyPr/>
+                    <a:lstStyle/>
+                    <a:p>
+                      <a:pPr algn="l" fontAlgn="t"/>
+                      <a:r>
+                        <a:rPr lang="en-US" sz="1200">
+                          <a:effectLst/>
+                        </a:rPr>
+                        <a:t>a result value</a:t>
+                      </a:r>
+                    </a:p>
+                  </a:txBody>
+                  <a:tcPr marL="60960" marR="60960" marT="60960" marB="60960">
+                    <a:lnL w="7620" cap="flat" cmpd="sng" algn="ctr">
+                      <a:solidFill>
+                        <a:srgbClr val="CCCCCC"/>
+                      </a:solidFill>
+                      <a:prstDash val="solid"/>
+                      <a:round/>
+                      <a:headEnd type="none" w="med" len="med"/>
+                      <a:tailEnd type="none" w="med" len="med"/>
+                    </a:lnL>
+                    <a:lnR w="7620" cap="flat" cmpd="sng" algn="ctr">
+                      <a:solidFill>
+                        <a:srgbClr val="CCCCCC"/>
+                      </a:solidFill>
+                      <a:prstDash val="solid"/>
+                      <a:round/>
+                      <a:headEnd type="none" w="med" len="med"/>
+                      <a:tailEnd type="none" w="med" len="med"/>
+                    </a:lnR>
+                    <a:lnT w="7620" cap="flat" cmpd="sng" algn="ctr">
+                      <a:solidFill>
+                        <a:srgbClr val="CCCCCC"/>
+                      </a:solidFill>
+                      <a:prstDash val="solid"/>
+                      <a:round/>
+                      <a:headEnd type="none" w="med" len="med"/>
+                      <a:tailEnd type="none" w="med" len="med"/>
+                    </a:lnT>
+                    <a:lnB w="7620" cap="flat" cmpd="sng" algn="ctr">
+                      <a:solidFill>
+                        <a:srgbClr val="CCCCCC"/>
+                      </a:solidFill>
+                      <a:prstDash val="solid"/>
+                      <a:round/>
+                      <a:headEnd type="none" w="med" len="med"/>
+                      <a:tailEnd type="none" w="med" len="med"/>
+                    </a:lnB>
+                    <a:solidFill>
+                      <a:srgbClr val="FFFFFF"/>
+                    </a:solidFill>
+                  </a:tcPr>
+                </a:tc>
+                <a:extLst>
+                  <a:ext uri="{0D108BD9-81ED-4DB2-BD59-A6C34878D82A}">
+                    <a16:rowId xmlns:a16="http://schemas.microsoft.com/office/drawing/2014/main" val="958673064"/>
+                  </a:ext>
+                </a:extLst>
+              </a:tr>
+              <a:tr h="259773">
+                <a:tc>
+                  <a:txBody>
+                    <a:bodyPr/>
+                    <a:lstStyle/>
+                    <a:p>
+                      <a:pPr algn="l" fontAlgn="t"/>
+                      <a:r>
+                        <a:rPr lang="en-US" sz="1200">
+                          <a:effectLst/>
+                        </a:rPr>
+                        <a:t>"rejected"</a:t>
+                      </a:r>
+                    </a:p>
+                  </a:txBody>
+                  <a:tcPr marL="121920" marR="60960" marT="60960" marB="60960">
+                    <a:lnL w="7620" cap="flat" cmpd="sng" algn="ctr">
+                      <a:solidFill>
+                        <a:srgbClr val="CCCCCC"/>
+                      </a:solidFill>
+                      <a:prstDash val="solid"/>
+                      <a:round/>
+                      <a:headEnd type="none" w="med" len="med"/>
+                      <a:tailEnd type="none" w="med" len="med"/>
+                    </a:lnL>
+                    <a:lnR w="7620" cap="flat" cmpd="sng" algn="ctr">
+                      <a:solidFill>
+                        <a:srgbClr val="CCCCCC"/>
+                      </a:solidFill>
+                      <a:prstDash val="solid"/>
+                      <a:round/>
+                      <a:headEnd type="none" w="med" len="med"/>
+                      <a:tailEnd type="none" w="med" len="med"/>
+                    </a:lnR>
+                    <a:lnT w="7620" cap="flat" cmpd="sng" algn="ctr">
+                      <a:solidFill>
+                        <a:srgbClr val="CCCCCC"/>
+                      </a:solidFill>
+                      <a:prstDash val="solid"/>
+                      <a:round/>
+                      <a:headEnd type="none" w="med" len="med"/>
+                      <a:tailEnd type="none" w="med" len="med"/>
+                    </a:lnT>
+                    <a:lnB w="7620" cap="flat" cmpd="sng" algn="ctr">
+                      <a:solidFill>
+                        <a:srgbClr val="DDDDDD"/>
+                      </a:solidFill>
+                      <a:prstDash val="solid"/>
+                      <a:round/>
+                      <a:headEnd type="none" w="med" len="med"/>
+                      <a:tailEnd type="none" w="med" len="med"/>
+                    </a:lnB>
+                    <a:solidFill>
+                      <a:srgbClr val="E7E9EB"/>
+                    </a:solidFill>
+                  </a:tcPr>
+                </a:tc>
+                <a:tc>
+                  <a:txBody>
+                    <a:bodyPr/>
+                    <a:lstStyle/>
+                    <a:p>
+                      <a:pPr algn="l" fontAlgn="t"/>
+                      <a:r>
+                        <a:rPr lang="en-US" sz="1200" dirty="0">
+                          <a:effectLst/>
+                        </a:rPr>
+                        <a:t>an error object</a:t>
+                      </a:r>
+                    </a:p>
+                  </a:txBody>
+                  <a:tcPr marL="60960" marR="60960" marT="60960" marB="60960">
+                    <a:lnL w="7620" cap="flat" cmpd="sng" algn="ctr">
+                      <a:solidFill>
+                        <a:srgbClr val="CCCCCC"/>
+                      </a:solidFill>
+                      <a:prstDash val="solid"/>
+                      <a:round/>
+                      <a:headEnd type="none" w="med" len="med"/>
+                      <a:tailEnd type="none" w="med" len="med"/>
+                    </a:lnL>
+                    <a:lnR w="7620" cap="flat" cmpd="sng" algn="ctr">
+                      <a:solidFill>
+                        <a:srgbClr val="CCCCCC"/>
+                      </a:solidFill>
+                      <a:prstDash val="solid"/>
+                      <a:round/>
+                      <a:headEnd type="none" w="med" len="med"/>
+                      <a:tailEnd type="none" w="med" len="med"/>
+                    </a:lnR>
+                    <a:lnT w="7620" cap="flat" cmpd="sng" algn="ctr">
+                      <a:solidFill>
+                        <a:srgbClr val="CCCCCC"/>
+                      </a:solidFill>
+                      <a:prstDash val="solid"/>
+                      <a:round/>
+                      <a:headEnd type="none" w="med" len="med"/>
+                      <a:tailEnd type="none" w="med" len="med"/>
+                    </a:lnT>
+                    <a:lnB w="7620" cap="flat" cmpd="sng" algn="ctr">
+                      <a:solidFill>
+                        <a:srgbClr val="DDDDDD"/>
+                      </a:solidFill>
+                      <a:prstDash val="solid"/>
+                      <a:round/>
+                      <a:headEnd type="none" w="med" len="med"/>
+                      <a:tailEnd type="none" w="med" len="med"/>
+                    </a:lnB>
+                    <a:solidFill>
+                      <a:srgbClr val="E7E9EB"/>
+                    </a:solidFill>
+                  </a:tcPr>
+                </a:tc>
+                <a:extLst>
+                  <a:ext uri="{0D108BD9-81ED-4DB2-BD59-A6C34878D82A}">
+                    <a16:rowId xmlns:a16="http://schemas.microsoft.com/office/drawing/2014/main" val="3949792137"/>
+                  </a:ext>
+                </a:extLst>
+              </a:tr>
+            </a:tbl>
+          </a:graphicData>
+        </a:graphic>
+      </p:graphicFrame>
+    </p:spTree>
+    <p:extLst>
+      <p:ext uri="{BB962C8B-B14F-4D97-AF65-F5344CB8AC3E}">
+        <p14:creationId xmlns:p14="http://schemas.microsoft.com/office/powerpoint/2010/main" val="14948443"/>
+      </p:ext>
+    </p:extLst>
+  </p:cSld>
+  <p:clrMapOvr>
+    <a:masterClrMapping/>
+  </p:clrMapOvr>
+  <p:timing>
+    <p:tnLst>
+      <p:par>
+        <p:cTn id="1" dur="indefinite" restart="never" nodeType="tmRoot"/>
+      </p:par>
+    </p:tnLst>
+  </p:timing>
+</p:sld>
+</file>
+
+<file path=ppt/slides/slide13.xml><?xml version="1.0" encoding="utf-8"?>
+<p:sld xmlns:a="http://schemas.openxmlformats.org/drawingml/2006/main" xmlns:r="http://schemas.openxmlformats.org/officeDocument/2006/relationships" xmlns:p="http://schemas.openxmlformats.org/presentationml/2006/main">
+  <p:cSld>
+    <p:spTree>
+      <p:nvGrpSpPr>
+        <p:cNvPr id="1" name="Shape 102"/>
+        <p:cNvGrpSpPr/>
+        <p:nvPr/>
+      </p:nvGrpSpPr>
+      <p:grpSpPr>
+        <a:xfrm>
+          <a:off x="0" y="0"/>
+          <a:ext cx="0" cy="0"/>
+          <a:chOff x="0" y="0"/>
+          <a:chExt cx="0" cy="0"/>
+        </a:xfrm>
+      </p:grpSpPr>
+      <p:sp>
+        <p:nvSpPr>
+          <p:cNvPr id="103" name="Google Shape;103;p16"/>
+          <p:cNvSpPr txBox="1">
+            <a:spLocks noGrp="1"/>
+          </p:cNvSpPr>
+          <p:nvPr>
+            <p:ph type="title"/>
+          </p:nvPr>
+        </p:nvSpPr>
+        <p:spPr>
+          <a:xfrm>
+            <a:off x="0" y="-106777"/>
+            <a:ext cx="9144000" cy="607800"/>
+          </a:xfrm>
+          <a:prstGeom prst="rect">
+            <a:avLst/>
+          </a:prstGeom>
+        </p:spPr>
+        <p:txBody>
+          <a:bodyPr spcFirstLastPara="1" wrap="square" lIns="91425" tIns="91425" rIns="91425" bIns="91425" anchor="t" anchorCtr="0">
+            <a:noAutofit/>
+          </a:bodyPr>
+          <a:lstStyle/>
+          <a:p>
+            <a:pPr lvl="0" algn="ctr">
+              <a:buSzPts val="990"/>
+            </a:pPr>
+            <a:r>
+              <a:rPr lang="en" sz="2600" b="1" dirty="0" smtClean="0"/>
+              <a:t>JAVA SCRIPT ASYNC /AWAIT</a:t>
+            </a:r>
+            <a:endParaRPr sz="2600" b="1" dirty="0"/>
+          </a:p>
+        </p:txBody>
+      </p:sp>
+      <p:sp>
+        <p:nvSpPr>
+          <p:cNvPr id="104" name="Google Shape;104;p16"/>
+          <p:cNvSpPr txBox="1"/>
+          <p:nvPr/>
+        </p:nvSpPr>
+        <p:spPr>
+          <a:xfrm>
+            <a:off x="321600" y="397113"/>
+            <a:ext cx="8500800" cy="1877407"/>
+          </a:xfrm>
+          <a:prstGeom prst="rect">
+            <a:avLst/>
+          </a:prstGeom>
+          <a:noFill/>
+          <a:ln>
+            <a:noFill/>
+          </a:ln>
+        </p:spPr>
+        <p:txBody>
+          <a:bodyPr spcFirstLastPara="1" wrap="square" lIns="91425" tIns="91425" rIns="91425" bIns="91425" anchor="t" anchorCtr="0">
+            <a:spAutoFit/>
+          </a:bodyPr>
+          <a:lstStyle/>
+          <a:p>
+            <a:r>
+              <a:rPr lang="en-US" b="1" u="sng" dirty="0"/>
+              <a:t>Promise How </a:t>
+            </a:r>
+            <a:r>
+              <a:rPr lang="en-US" b="1" u="sng" dirty="0" smtClean="0"/>
+              <a:t>To Used</a:t>
+            </a:r>
+            <a:endParaRPr lang="en-US" b="1" u="sng" dirty="0"/>
+          </a:p>
+          <a:p>
+            <a:pPr algn="just"/>
+            <a:endParaRPr lang="en-US" sz="1200" dirty="0">
+              <a:solidFill>
+                <a:schemeClr val="tx1"/>
+              </a:solidFill>
+              <a:highlight>
+                <a:srgbClr val="FFFFFF"/>
+              </a:highlight>
+              <a:latin typeface="+mj-lt"/>
+              <a:ea typeface="Roboto"/>
+              <a:cs typeface="Roboto"/>
+              <a:sym typeface="Roboto"/>
+            </a:endParaRPr>
+          </a:p>
+          <a:p>
+            <a:r>
+              <a:rPr lang="en-US" dirty="0" err="1">
+                <a:solidFill>
+                  <a:schemeClr val="tx1"/>
+                </a:solidFill>
+              </a:rPr>
+              <a:t>myPromise.then</a:t>
+            </a:r>
+            <a:r>
+              <a:rPr lang="en-US" dirty="0">
+                <a:solidFill>
+                  <a:schemeClr val="tx1"/>
+                </a:solidFill>
+              </a:rPr>
+              <a:t>(</a:t>
+            </a:r>
+            <a:r>
+              <a:rPr lang="en-US" sz="1200" dirty="0">
+                <a:solidFill>
+                  <a:schemeClr val="tx1"/>
+                </a:solidFill>
+              </a:rPr>
+              <a:t/>
+            </a:r>
+            <a:br>
+              <a:rPr lang="en-US" sz="1200" dirty="0">
+                <a:solidFill>
+                  <a:schemeClr val="tx1"/>
+                </a:solidFill>
+              </a:rPr>
+            </a:br>
+            <a:r>
+              <a:rPr lang="en-US" dirty="0">
+                <a:solidFill>
+                  <a:schemeClr val="tx1"/>
+                </a:solidFill>
+              </a:rPr>
+              <a:t>  function(value) { /* code if successful */ },</a:t>
+            </a:r>
+            <a:r>
+              <a:rPr lang="en-US" sz="1200" dirty="0">
+                <a:solidFill>
+                  <a:schemeClr val="tx1"/>
+                </a:solidFill>
+              </a:rPr>
+              <a:t/>
+            </a:r>
+            <a:br>
+              <a:rPr lang="en-US" sz="1200" dirty="0">
+                <a:solidFill>
+                  <a:schemeClr val="tx1"/>
+                </a:solidFill>
+              </a:rPr>
+            </a:br>
+            <a:r>
+              <a:rPr lang="en-US" dirty="0">
+                <a:solidFill>
+                  <a:schemeClr val="tx1"/>
+                </a:solidFill>
+              </a:rPr>
+              <a:t>  function(error) { /* code if some error */ }</a:t>
+            </a:r>
+            <a:r>
+              <a:rPr lang="en-US" sz="1200" dirty="0">
+                <a:solidFill>
+                  <a:schemeClr val="tx1"/>
+                </a:solidFill>
+              </a:rPr>
+              <a:t/>
+            </a:r>
+            <a:br>
+              <a:rPr lang="en-US" sz="1200" dirty="0">
+                <a:solidFill>
+                  <a:schemeClr val="tx1"/>
+                </a:solidFill>
+              </a:rPr>
+            </a:br>
+            <a:r>
+              <a:rPr lang="en-US" dirty="0" smtClean="0">
+                <a:solidFill>
+                  <a:schemeClr val="tx1"/>
+                </a:solidFill>
+              </a:rPr>
+              <a:t>);</a:t>
+            </a:r>
+          </a:p>
+          <a:p>
+            <a:endParaRPr lang="en-US" dirty="0"/>
+          </a:p>
+          <a:p>
+            <a:r>
+              <a:rPr lang="en-US" dirty="0" smtClean="0"/>
+              <a:t>Note: </a:t>
+            </a:r>
+            <a:r>
+              <a:rPr lang="en-US" dirty="0" err="1"/>
+              <a:t>Promise.then</a:t>
+            </a:r>
+            <a:r>
+              <a:rPr lang="en-US" dirty="0"/>
+              <a:t>() takes two arguments, a callback for success and another for failure.</a:t>
+            </a:r>
+          </a:p>
+        </p:txBody>
+      </p:sp>
+    </p:spTree>
+    <p:extLst>
+      <p:ext uri="{BB962C8B-B14F-4D97-AF65-F5344CB8AC3E}">
+        <p14:creationId xmlns:p14="http://schemas.microsoft.com/office/powerpoint/2010/main" val="2181275780"/>
+      </p:ext>
+    </p:extLst>
+  </p:cSld>
+  <p:clrMapOvr>
+    <a:masterClrMapping/>
+  </p:clrMapOvr>
+  <p:timing>
+    <p:tnLst>
+      <p:par>
+        <p:cTn id="1" dur="indefinite" restart="never" nodeType="tmRoot"/>
+      </p:par>
+    </p:tnLst>
+  </p:timing>
+</p:sld>
+</file>
+
+<file path=ppt/slides/slide14.xml><?xml version="1.0" encoding="utf-8"?>
+<p:sld xmlns:a="http://schemas.openxmlformats.org/drawingml/2006/main" xmlns:r="http://schemas.openxmlformats.org/officeDocument/2006/relationships" xmlns:p="http://schemas.openxmlformats.org/presentationml/2006/main">
+  <p:cSld>
+    <p:spTree>
+      <p:nvGrpSpPr>
+        <p:cNvPr id="1" name="Shape 102"/>
+        <p:cNvGrpSpPr/>
+        <p:nvPr/>
+      </p:nvGrpSpPr>
+      <p:grpSpPr>
+        <a:xfrm>
+          <a:off x="0" y="0"/>
+          <a:ext cx="0" cy="0"/>
+          <a:chOff x="0" y="0"/>
+          <a:chExt cx="0" cy="0"/>
+        </a:xfrm>
+      </p:grpSpPr>
+      <p:sp>
+        <p:nvSpPr>
+          <p:cNvPr id="103" name="Google Shape;103;p16"/>
+          <p:cNvSpPr txBox="1">
+            <a:spLocks noGrp="1"/>
+          </p:cNvSpPr>
+          <p:nvPr>
+            <p:ph type="title"/>
+          </p:nvPr>
+        </p:nvSpPr>
+        <p:spPr>
+          <a:xfrm>
+            <a:off x="-76200" y="-51359"/>
+            <a:ext cx="9144000" cy="607800"/>
+          </a:xfrm>
+          <a:prstGeom prst="rect">
+            <a:avLst/>
+          </a:prstGeom>
+        </p:spPr>
+        <p:txBody>
+          <a:bodyPr spcFirstLastPara="1" wrap="square" lIns="91425" tIns="91425" rIns="91425" bIns="91425" anchor="t" anchorCtr="0">
+            <a:noAutofit/>
+          </a:bodyPr>
+          <a:lstStyle/>
+          <a:p>
+            <a:pPr lvl="0" algn="ctr">
+              <a:buSzPts val="990"/>
+            </a:pPr>
+            <a:r>
+              <a:rPr lang="en" sz="2600" b="1" dirty="0" smtClean="0"/>
+              <a:t>JAVA SCRIPT ASYNC /AWAIT</a:t>
+            </a:r>
+            <a:endParaRPr sz="2600" b="1" dirty="0"/>
+          </a:p>
+        </p:txBody>
+      </p:sp>
+      <p:sp>
+        <p:nvSpPr>
+          <p:cNvPr id="104" name="Google Shape;104;p16"/>
+          <p:cNvSpPr txBox="1"/>
+          <p:nvPr/>
+        </p:nvSpPr>
+        <p:spPr>
+          <a:xfrm>
+            <a:off x="321600" y="466386"/>
+            <a:ext cx="8500800" cy="4431952"/>
+          </a:xfrm>
+          <a:prstGeom prst="rect">
+            <a:avLst/>
+          </a:prstGeom>
+          <a:noFill/>
+          <a:ln>
+            <a:noFill/>
+          </a:ln>
+        </p:spPr>
+        <p:txBody>
+          <a:bodyPr spcFirstLastPara="1" wrap="square" lIns="91425" tIns="91425" rIns="91425" bIns="91425" anchor="t" anchorCtr="0">
+            <a:spAutoFit/>
+          </a:bodyPr>
+          <a:lstStyle/>
+          <a:p>
+            <a:r>
+              <a:rPr lang="en-US" sz="1200" b="1" u="sng" dirty="0">
+                <a:latin typeface="+mj-lt"/>
+              </a:rPr>
+              <a:t>JavaScript </a:t>
+            </a:r>
+            <a:r>
+              <a:rPr lang="en-US" sz="1200" b="1" u="sng" dirty="0" err="1">
+                <a:latin typeface="+mj-lt"/>
+              </a:rPr>
+              <a:t>Async</a:t>
+            </a:r>
+            <a:endParaRPr lang="en-US" sz="1200" b="1" u="sng" dirty="0">
+              <a:latin typeface="+mj-lt"/>
+            </a:endParaRPr>
+          </a:p>
+          <a:p>
+            <a:pPr algn="just"/>
+            <a:endParaRPr lang="en-US" sz="1200" dirty="0">
+              <a:solidFill>
+                <a:schemeClr val="tx1"/>
+              </a:solidFill>
+              <a:highlight>
+                <a:srgbClr val="FFFFFF"/>
+              </a:highlight>
+              <a:latin typeface="+mj-lt"/>
+              <a:ea typeface="Roboto"/>
+              <a:cs typeface="Roboto"/>
+              <a:sym typeface="Roboto"/>
+            </a:endParaRPr>
+          </a:p>
+          <a:p>
+            <a:r>
+              <a:rPr lang="en-US" sz="1200" i="1" dirty="0">
+                <a:latin typeface="+mj-lt"/>
+              </a:rPr>
+              <a:t>"</a:t>
+            </a:r>
+            <a:r>
+              <a:rPr lang="en-US" sz="1200" i="1" dirty="0" err="1">
+                <a:latin typeface="+mj-lt"/>
+              </a:rPr>
+              <a:t>async</a:t>
+            </a:r>
+            <a:r>
+              <a:rPr lang="en-US" sz="1200" i="1" dirty="0">
+                <a:latin typeface="+mj-lt"/>
+              </a:rPr>
+              <a:t> and await make promises easier to write"</a:t>
+            </a:r>
+            <a:endParaRPr lang="en-US" sz="1200" dirty="0">
+              <a:latin typeface="+mj-lt"/>
+            </a:endParaRPr>
+          </a:p>
+          <a:p>
+            <a:r>
+              <a:rPr lang="en-US" sz="1200" b="1" dirty="0" err="1">
+                <a:latin typeface="+mj-lt"/>
+              </a:rPr>
+              <a:t>async</a:t>
+            </a:r>
+            <a:r>
+              <a:rPr lang="en-US" sz="1200" dirty="0">
+                <a:latin typeface="+mj-lt"/>
+              </a:rPr>
+              <a:t> makes a function return a Promise</a:t>
+            </a:r>
+          </a:p>
+          <a:p>
+            <a:r>
+              <a:rPr lang="en-US" sz="1200" b="1" dirty="0">
+                <a:latin typeface="+mj-lt"/>
+              </a:rPr>
+              <a:t>await</a:t>
+            </a:r>
+            <a:r>
+              <a:rPr lang="en-US" sz="1200" dirty="0">
+                <a:latin typeface="+mj-lt"/>
+              </a:rPr>
+              <a:t> makes a function wait for a </a:t>
+            </a:r>
+            <a:r>
+              <a:rPr lang="en-US" sz="1200" dirty="0" smtClean="0">
+                <a:latin typeface="+mj-lt"/>
+              </a:rPr>
+              <a:t>Promise</a:t>
+            </a:r>
+          </a:p>
+          <a:p>
+            <a:endParaRPr lang="en-US" sz="1200" dirty="0" smtClean="0">
+              <a:latin typeface="+mj-lt"/>
+            </a:endParaRPr>
+          </a:p>
+          <a:p>
+            <a:r>
+              <a:rPr lang="en-US" sz="1200" b="1" u="sng" dirty="0" err="1">
+                <a:latin typeface="+mj-lt"/>
+              </a:rPr>
+              <a:t>Async</a:t>
+            </a:r>
+            <a:r>
+              <a:rPr lang="en-US" sz="1200" b="1" u="sng" dirty="0">
+                <a:latin typeface="+mj-lt"/>
+              </a:rPr>
+              <a:t> Syntax</a:t>
+            </a:r>
+          </a:p>
+          <a:p>
+            <a:r>
+              <a:rPr lang="en-US" altLang="en-US" sz="1200" dirty="0" smtClean="0">
+                <a:latin typeface="+mj-lt"/>
+              </a:rPr>
+              <a:t>The </a:t>
+            </a:r>
+            <a:r>
+              <a:rPr lang="en-US" altLang="en-US" sz="1200" dirty="0">
+                <a:latin typeface="+mj-lt"/>
+              </a:rPr>
+              <a:t>keyword </a:t>
+            </a:r>
+            <a:r>
+              <a:rPr lang="en-US" altLang="en-US" sz="1200" dirty="0" err="1">
+                <a:solidFill>
+                  <a:srgbClr val="DC143C"/>
+                </a:solidFill>
+                <a:latin typeface="+mj-lt"/>
+              </a:rPr>
+              <a:t>async</a:t>
+            </a:r>
+            <a:r>
+              <a:rPr lang="en-US" altLang="en-US" sz="1200" dirty="0">
+                <a:latin typeface="+mj-lt"/>
+              </a:rPr>
+              <a:t> before a function makes the function return a promise:</a:t>
+            </a:r>
+            <a:r>
+              <a:rPr lang="en-US" altLang="en-US" sz="1200" dirty="0">
+                <a:solidFill>
+                  <a:schemeClr val="tx1"/>
+                </a:solidFill>
+                <a:latin typeface="+mj-lt"/>
+              </a:rPr>
+              <a:t> </a:t>
+            </a:r>
+          </a:p>
+          <a:p>
+            <a:endParaRPr lang="en-US" sz="1200" dirty="0" smtClean="0">
+              <a:latin typeface="+mj-lt"/>
+            </a:endParaRPr>
+          </a:p>
+          <a:p>
+            <a:r>
+              <a:rPr lang="en-US" sz="1200" dirty="0" err="1">
+                <a:solidFill>
+                  <a:schemeClr val="tx1"/>
+                </a:solidFill>
+                <a:latin typeface="+mj-lt"/>
+              </a:rPr>
+              <a:t>async</a:t>
+            </a:r>
+            <a:r>
+              <a:rPr lang="en-US" sz="1200" dirty="0">
+                <a:solidFill>
+                  <a:schemeClr val="tx1"/>
+                </a:solidFill>
+                <a:latin typeface="+mj-lt"/>
+              </a:rPr>
+              <a:t> function </a:t>
+            </a:r>
+            <a:r>
+              <a:rPr lang="en-US" sz="1200" dirty="0" err="1">
+                <a:solidFill>
+                  <a:schemeClr val="tx1"/>
+                </a:solidFill>
+                <a:latin typeface="+mj-lt"/>
+              </a:rPr>
+              <a:t>myFunction</a:t>
+            </a:r>
+            <a:r>
+              <a:rPr lang="en-US" sz="1200" dirty="0">
+                <a:solidFill>
+                  <a:schemeClr val="tx1"/>
+                </a:solidFill>
+                <a:latin typeface="+mj-lt"/>
+              </a:rPr>
+              <a:t>() {</a:t>
+            </a:r>
+            <a:br>
+              <a:rPr lang="en-US" sz="1200" dirty="0">
+                <a:solidFill>
+                  <a:schemeClr val="tx1"/>
+                </a:solidFill>
+                <a:latin typeface="+mj-lt"/>
+              </a:rPr>
+            </a:br>
+            <a:r>
+              <a:rPr lang="en-US" sz="1200" dirty="0">
+                <a:solidFill>
+                  <a:schemeClr val="tx1"/>
+                </a:solidFill>
+                <a:latin typeface="+mj-lt"/>
+              </a:rPr>
+              <a:t>  return "Hello";</a:t>
+            </a:r>
+            <a:br>
+              <a:rPr lang="en-US" sz="1200" dirty="0">
+                <a:solidFill>
+                  <a:schemeClr val="tx1"/>
+                </a:solidFill>
+                <a:latin typeface="+mj-lt"/>
+              </a:rPr>
+            </a:br>
+            <a:r>
+              <a:rPr lang="en-US" sz="1200" dirty="0" smtClean="0">
+                <a:solidFill>
+                  <a:schemeClr val="tx1"/>
+                </a:solidFill>
+                <a:latin typeface="+mj-lt"/>
+              </a:rPr>
+              <a:t>}</a:t>
+            </a:r>
+          </a:p>
+          <a:p>
+            <a:endParaRPr lang="en-US" sz="1200" dirty="0" smtClean="0">
+              <a:solidFill>
+                <a:schemeClr val="tx1"/>
+              </a:solidFill>
+              <a:latin typeface="+mj-lt"/>
+            </a:endParaRPr>
+          </a:p>
+          <a:p>
+            <a:r>
+              <a:rPr lang="en-US" sz="1200" dirty="0">
+                <a:solidFill>
+                  <a:schemeClr val="tx1"/>
+                </a:solidFill>
+                <a:latin typeface="+mj-lt"/>
+              </a:rPr>
+              <a:t> </a:t>
+            </a:r>
+            <a:r>
+              <a:rPr lang="en-US" sz="1200" dirty="0" smtClean="0">
+                <a:solidFill>
+                  <a:schemeClr val="tx1"/>
+                </a:solidFill>
+                <a:latin typeface="+mj-lt"/>
+              </a:rPr>
+              <a:t>OR</a:t>
+            </a:r>
+          </a:p>
+          <a:p>
+            <a:endParaRPr lang="en-US" sz="1200" dirty="0">
+              <a:solidFill>
+                <a:schemeClr val="tx1"/>
+              </a:solidFill>
+              <a:latin typeface="+mj-lt"/>
+            </a:endParaRPr>
+          </a:p>
+          <a:p>
+            <a:r>
+              <a:rPr lang="en-US" sz="1200" dirty="0">
+                <a:solidFill>
+                  <a:schemeClr val="tx1"/>
+                </a:solidFill>
+                <a:latin typeface="+mj-lt"/>
+              </a:rPr>
+              <a:t>function </a:t>
+            </a:r>
+            <a:r>
+              <a:rPr lang="en-US" sz="1200" dirty="0" err="1">
+                <a:solidFill>
+                  <a:schemeClr val="tx1"/>
+                </a:solidFill>
+                <a:latin typeface="+mj-lt"/>
+              </a:rPr>
+              <a:t>myFunction</a:t>
+            </a:r>
+            <a:r>
+              <a:rPr lang="en-US" sz="1200" dirty="0">
+                <a:solidFill>
+                  <a:schemeClr val="tx1"/>
+                </a:solidFill>
+                <a:latin typeface="+mj-lt"/>
+              </a:rPr>
+              <a:t>() {</a:t>
+            </a:r>
+            <a:br>
+              <a:rPr lang="en-US" sz="1200" dirty="0">
+                <a:solidFill>
+                  <a:schemeClr val="tx1"/>
+                </a:solidFill>
+                <a:latin typeface="+mj-lt"/>
+              </a:rPr>
+            </a:br>
+            <a:r>
+              <a:rPr lang="en-US" sz="1200" dirty="0">
+                <a:solidFill>
+                  <a:schemeClr val="tx1"/>
+                </a:solidFill>
+                <a:latin typeface="+mj-lt"/>
+              </a:rPr>
+              <a:t>  return </a:t>
+            </a:r>
+            <a:r>
+              <a:rPr lang="en-US" sz="1200" dirty="0" err="1">
+                <a:solidFill>
+                  <a:schemeClr val="tx1"/>
+                </a:solidFill>
+                <a:latin typeface="+mj-lt"/>
+              </a:rPr>
+              <a:t>Promise.resolve</a:t>
+            </a:r>
+            <a:r>
+              <a:rPr lang="en-US" sz="1200" dirty="0">
+                <a:solidFill>
+                  <a:schemeClr val="tx1"/>
+                </a:solidFill>
+                <a:latin typeface="+mj-lt"/>
+              </a:rPr>
+              <a:t>("Hello");</a:t>
+            </a:r>
+            <a:br>
+              <a:rPr lang="en-US" sz="1200" dirty="0">
+                <a:solidFill>
+                  <a:schemeClr val="tx1"/>
+                </a:solidFill>
+                <a:latin typeface="+mj-lt"/>
+              </a:rPr>
+            </a:br>
+            <a:r>
+              <a:rPr lang="en-US" sz="1200" dirty="0" smtClean="0">
+                <a:solidFill>
+                  <a:schemeClr val="tx1"/>
+                </a:solidFill>
+                <a:latin typeface="+mj-lt"/>
+              </a:rPr>
+              <a:t>}</a:t>
+            </a:r>
+          </a:p>
+          <a:p>
+            <a:pPr lvl="0" eaLnBrk="0" fontAlgn="base" hangingPunct="0">
+              <a:spcBef>
+                <a:spcPct val="0"/>
+              </a:spcBef>
+              <a:spcAft>
+                <a:spcPct val="0"/>
+              </a:spcAft>
+              <a:buClrTx/>
+            </a:pPr>
+            <a:r>
+              <a:rPr lang="en-US" altLang="en-US" sz="1200" dirty="0">
+                <a:latin typeface="+mj-lt"/>
+                <a:cs typeface="Segoe UI" panose="020B0502040204020203" pitchFamily="34" charset="0"/>
+              </a:rPr>
+              <a:t>Await Syntax</a:t>
+            </a:r>
+          </a:p>
+          <a:p>
+            <a:pPr lvl="0" eaLnBrk="0" fontAlgn="base" hangingPunct="0">
+              <a:spcBef>
+                <a:spcPct val="0"/>
+              </a:spcBef>
+              <a:spcAft>
+                <a:spcPct val="0"/>
+              </a:spcAft>
+              <a:buClrTx/>
+            </a:pPr>
+            <a:r>
+              <a:rPr lang="en-US" altLang="en-US" sz="1200" dirty="0">
+                <a:latin typeface="+mj-lt"/>
+              </a:rPr>
+              <a:t>The </a:t>
+            </a:r>
+            <a:r>
+              <a:rPr lang="en-US" altLang="en-US" sz="1200" dirty="0">
+                <a:solidFill>
+                  <a:srgbClr val="DC143C"/>
+                </a:solidFill>
+                <a:latin typeface="+mj-lt"/>
+              </a:rPr>
+              <a:t>await</a:t>
+            </a:r>
+            <a:r>
+              <a:rPr lang="en-US" altLang="en-US" sz="1200" dirty="0">
+                <a:latin typeface="+mj-lt"/>
+              </a:rPr>
+              <a:t> keyword can only be used inside an </a:t>
+            </a:r>
+            <a:r>
+              <a:rPr lang="en-US" altLang="en-US" sz="1200" dirty="0" err="1">
+                <a:solidFill>
+                  <a:srgbClr val="DC143C"/>
+                </a:solidFill>
+                <a:latin typeface="+mj-lt"/>
+              </a:rPr>
+              <a:t>async</a:t>
+            </a:r>
+            <a:r>
+              <a:rPr lang="en-US" altLang="en-US" sz="1200" dirty="0">
+                <a:latin typeface="+mj-lt"/>
+              </a:rPr>
+              <a:t> function.</a:t>
+            </a:r>
+            <a:endParaRPr lang="en-US" altLang="en-US" sz="1200" dirty="0">
+              <a:solidFill>
+                <a:schemeClr val="tx1"/>
+              </a:solidFill>
+              <a:latin typeface="+mj-lt"/>
+            </a:endParaRPr>
+          </a:p>
+          <a:p>
+            <a:pPr lvl="0" eaLnBrk="0" fontAlgn="base" hangingPunct="0">
+              <a:spcBef>
+                <a:spcPct val="0"/>
+              </a:spcBef>
+              <a:spcAft>
+                <a:spcPct val="0"/>
+              </a:spcAft>
+              <a:buClrTx/>
+            </a:pPr>
+            <a:r>
+              <a:rPr lang="en-US" altLang="en-US" sz="1200" dirty="0">
+                <a:latin typeface="+mj-lt"/>
+              </a:rPr>
+              <a:t>The </a:t>
+            </a:r>
+            <a:r>
+              <a:rPr lang="en-US" altLang="en-US" sz="1200" dirty="0">
+                <a:solidFill>
+                  <a:srgbClr val="DC143C"/>
+                </a:solidFill>
+                <a:latin typeface="+mj-lt"/>
+              </a:rPr>
+              <a:t>await</a:t>
+            </a:r>
+            <a:r>
+              <a:rPr lang="en-US" altLang="en-US" sz="1200" dirty="0">
+                <a:latin typeface="+mj-lt"/>
+              </a:rPr>
+              <a:t> keyword makes the function pause the execution and wait for a resolved promise before it continues:</a:t>
+            </a:r>
+            <a:endParaRPr lang="en-US" altLang="en-US" sz="1200" dirty="0">
+              <a:solidFill>
+                <a:schemeClr val="tx1"/>
+              </a:solidFill>
+              <a:latin typeface="+mj-lt"/>
+            </a:endParaRPr>
+          </a:p>
+          <a:p>
+            <a:endParaRPr lang="en-US" sz="1200" dirty="0" smtClean="0">
+              <a:solidFill>
+                <a:schemeClr val="tx1"/>
+              </a:solidFill>
+              <a:latin typeface="+mj-lt"/>
+            </a:endParaRPr>
+          </a:p>
+          <a:p>
+            <a:r>
+              <a:rPr lang="en-US" sz="1200" dirty="0">
+                <a:solidFill>
+                  <a:schemeClr val="tx1"/>
+                </a:solidFill>
+              </a:rPr>
+              <a:t>let value = await promise</a:t>
+            </a:r>
+            <a:r>
+              <a:rPr lang="en-US" sz="1200" dirty="0" smtClean="0">
+                <a:solidFill>
+                  <a:schemeClr val="tx1"/>
+                </a:solidFill>
+              </a:rPr>
+              <a:t>;</a:t>
+            </a:r>
+            <a:endParaRPr lang="en-US" sz="1200" dirty="0">
+              <a:solidFill>
+                <a:schemeClr val="tx1"/>
+              </a:solidFill>
+              <a:latin typeface="+mj-lt"/>
+            </a:endParaRPr>
+          </a:p>
+        </p:txBody>
+      </p:sp>
+    </p:spTree>
+    <p:extLst>
+      <p:ext uri="{BB962C8B-B14F-4D97-AF65-F5344CB8AC3E}">
+        <p14:creationId xmlns:p14="http://schemas.microsoft.com/office/powerpoint/2010/main" val="4034170385"/>
+      </p:ext>
+    </p:extLst>
+  </p:cSld>
+  <p:clrMapOvr>
+    <a:masterClrMapping/>
+  </p:clrMapOvr>
+  <p:timing>
+    <p:tnLst>
+      <p:par>
+        <p:cTn id="1" dur="indefinite" restart="never" nodeType="tmRoot"/>
+      </p:par>
+    </p:tnLst>
+  </p:timing>
+</p:sld>
+</file>
+
+<file path=ppt/slides/slide15.xml><?xml version="1.0" encoding="utf-8"?>
+<p:sld xmlns:a="http://schemas.openxmlformats.org/drawingml/2006/main" xmlns:r="http://schemas.openxmlformats.org/officeDocument/2006/relationships" xmlns:p="http://schemas.openxmlformats.org/presentationml/2006/main">
+  <p:cSld>
+    <p:spTree>
+      <p:nvGrpSpPr>
+        <p:cNvPr id="1" name="Shape 102"/>
+        <p:cNvGrpSpPr/>
+        <p:nvPr/>
+      </p:nvGrpSpPr>
+      <p:grpSpPr>
+        <a:xfrm>
+          <a:off x="0" y="0"/>
+          <a:ext cx="0" cy="0"/>
+          <a:chOff x="0" y="0"/>
+          <a:chExt cx="0" cy="0"/>
+        </a:xfrm>
+      </p:grpSpPr>
+      <p:sp>
+        <p:nvSpPr>
+          <p:cNvPr id="103" name="Google Shape;103;p16"/>
+          <p:cNvSpPr txBox="1">
+            <a:spLocks noGrp="1"/>
+          </p:cNvSpPr>
+          <p:nvPr>
+            <p:ph type="title"/>
+          </p:nvPr>
+        </p:nvSpPr>
+        <p:spPr>
+          <a:xfrm>
+            <a:off x="-76200" y="-51359"/>
+            <a:ext cx="9144000" cy="607800"/>
+          </a:xfrm>
+          <a:prstGeom prst="rect">
+            <a:avLst/>
+          </a:prstGeom>
+        </p:spPr>
+        <p:txBody>
+          <a:bodyPr spcFirstLastPara="1" wrap="square" lIns="91425" tIns="91425" rIns="91425" bIns="91425" anchor="t" anchorCtr="0">
+            <a:noAutofit/>
+          </a:bodyPr>
+          <a:lstStyle/>
+          <a:p>
+            <a:pPr lvl="0" algn="ctr">
+              <a:buSzPts val="990"/>
+            </a:pPr>
+            <a:r>
+              <a:rPr lang="en" sz="2600" b="1" dirty="0" smtClean="0"/>
+              <a:t>JAVA SCRIPT FORM VALIDATION</a:t>
+            </a:r>
+            <a:endParaRPr sz="2600" b="1" dirty="0"/>
+          </a:p>
+        </p:txBody>
+      </p:sp>
+      <p:sp>
+        <p:nvSpPr>
+          <p:cNvPr id="104" name="Google Shape;104;p16"/>
+          <p:cNvSpPr txBox="1"/>
+          <p:nvPr/>
+        </p:nvSpPr>
+        <p:spPr>
+          <a:xfrm>
+            <a:off x="321600" y="466386"/>
+            <a:ext cx="8500800" cy="4185731"/>
+          </a:xfrm>
+          <a:prstGeom prst="rect">
+            <a:avLst/>
+          </a:prstGeom>
+          <a:noFill/>
+          <a:ln>
+            <a:noFill/>
+          </a:ln>
+        </p:spPr>
+        <p:txBody>
+          <a:bodyPr spcFirstLastPara="1" wrap="square" lIns="91425" tIns="91425" rIns="91425" bIns="91425" anchor="t" anchorCtr="0">
+            <a:spAutoFit/>
+          </a:bodyPr>
+          <a:lstStyle/>
+          <a:p>
+            <a:r>
+              <a:rPr lang="en-US" b="1" u="sng" dirty="0"/>
+              <a:t>JavaScript Form Validation</a:t>
+            </a:r>
+          </a:p>
+          <a:p>
+            <a:r>
+              <a:rPr lang="en-US" dirty="0"/>
+              <a:t>HTML form validation can be done by JavaScript.</a:t>
+            </a:r>
+          </a:p>
+          <a:p>
+            <a:r>
+              <a:rPr lang="en-US" dirty="0"/>
+              <a:t>If a form field (</a:t>
+            </a:r>
+            <a:r>
+              <a:rPr lang="en-US" dirty="0" err="1"/>
+              <a:t>fname</a:t>
+            </a:r>
+            <a:r>
+              <a:rPr lang="en-US" dirty="0"/>
+              <a:t>) is empty, this function alerts a message, and returns false, to prevent the form from being submitted:</a:t>
+            </a:r>
+          </a:p>
+          <a:p>
+            <a:pPr algn="just"/>
+            <a:endParaRPr lang="en-US" sz="1200" dirty="0" smtClean="0">
+              <a:solidFill>
+                <a:schemeClr val="tx1"/>
+              </a:solidFill>
+              <a:highlight>
+                <a:srgbClr val="FFFFFF"/>
+              </a:highlight>
+              <a:latin typeface="+mj-lt"/>
+              <a:ea typeface="Roboto"/>
+              <a:cs typeface="Roboto"/>
+              <a:sym typeface="Roboto"/>
+            </a:endParaRPr>
+          </a:p>
+          <a:p>
+            <a:r>
+              <a:rPr lang="en-US" dirty="0"/>
+              <a:t>function </a:t>
+            </a:r>
+            <a:r>
+              <a:rPr lang="en-US" dirty="0" err="1"/>
+              <a:t>validateForm</a:t>
+            </a:r>
+            <a:r>
+              <a:rPr lang="en-US" dirty="0"/>
+              <a:t>() {</a:t>
+            </a:r>
+            <a:r>
+              <a:rPr lang="en-US" sz="1200" dirty="0"/>
+              <a:t/>
+            </a:r>
+            <a:br>
+              <a:rPr lang="en-US" sz="1200" dirty="0"/>
+            </a:br>
+            <a:r>
+              <a:rPr lang="en-US" dirty="0"/>
+              <a:t>  let x = </a:t>
+            </a:r>
+            <a:r>
+              <a:rPr lang="en-US" dirty="0" err="1"/>
+              <a:t>document.forms</a:t>
+            </a:r>
+            <a:r>
+              <a:rPr lang="en-US" dirty="0"/>
+              <a:t>["</a:t>
+            </a:r>
+            <a:r>
+              <a:rPr lang="en-US" dirty="0" err="1"/>
+              <a:t>myForm</a:t>
+            </a:r>
+            <a:r>
+              <a:rPr lang="en-US" dirty="0"/>
+              <a:t>"]["</a:t>
+            </a:r>
+            <a:r>
+              <a:rPr lang="en-US" dirty="0" err="1"/>
+              <a:t>fname</a:t>
+            </a:r>
+            <a:r>
+              <a:rPr lang="en-US" dirty="0"/>
+              <a:t>"].value;</a:t>
+            </a:r>
+            <a:r>
+              <a:rPr lang="en-US" sz="1200" dirty="0"/>
+              <a:t/>
+            </a:r>
+            <a:br>
+              <a:rPr lang="en-US" sz="1200" dirty="0"/>
+            </a:br>
+            <a:r>
+              <a:rPr lang="en-US" dirty="0"/>
+              <a:t>  if (x == "") {</a:t>
+            </a:r>
+            <a:r>
+              <a:rPr lang="en-US" sz="1200" dirty="0"/>
+              <a:t/>
+            </a:r>
+            <a:br>
+              <a:rPr lang="en-US" sz="1200" dirty="0"/>
+            </a:br>
+            <a:r>
+              <a:rPr lang="en-US" dirty="0"/>
+              <a:t>    alert("Name must be filled out");</a:t>
+            </a:r>
+            <a:r>
+              <a:rPr lang="en-US" sz="1200" dirty="0"/>
+              <a:t/>
+            </a:r>
+            <a:br>
+              <a:rPr lang="en-US" sz="1200" dirty="0"/>
+            </a:br>
+            <a:r>
+              <a:rPr lang="en-US" dirty="0"/>
+              <a:t>    return false;</a:t>
+            </a:r>
+            <a:r>
+              <a:rPr lang="en-US" sz="1200" dirty="0"/>
+              <a:t/>
+            </a:r>
+            <a:br>
+              <a:rPr lang="en-US" sz="1200" dirty="0"/>
+            </a:br>
+            <a:r>
+              <a:rPr lang="en-US" dirty="0"/>
+              <a:t>  }</a:t>
+            </a:r>
+            <a:r>
+              <a:rPr lang="en-US" sz="1200" dirty="0"/>
+              <a:t/>
+            </a:r>
+            <a:br>
+              <a:rPr lang="en-US" sz="1200" dirty="0"/>
+            </a:br>
+            <a:r>
+              <a:rPr lang="en-US" dirty="0" smtClean="0"/>
+              <a:t>}</a:t>
+            </a:r>
+          </a:p>
+          <a:p>
+            <a:endParaRPr lang="en-US" sz="1200" dirty="0">
+              <a:solidFill>
+                <a:schemeClr val="tx1"/>
+              </a:solidFill>
+              <a:highlight>
+                <a:srgbClr val="FFFFFF"/>
+              </a:highlight>
+              <a:latin typeface="+mj-lt"/>
+              <a:ea typeface="Roboto"/>
+              <a:cs typeface="Roboto"/>
+              <a:sym typeface="Roboto"/>
+            </a:endParaRPr>
+          </a:p>
+          <a:p>
+            <a:r>
+              <a:rPr lang="en-US" dirty="0"/>
+              <a:t>The function can be called when the form is submitted</a:t>
+            </a:r>
+            <a:r>
+              <a:rPr lang="en-US" dirty="0" smtClean="0"/>
+              <a:t>:</a:t>
+            </a:r>
+          </a:p>
+          <a:p>
+            <a:endParaRPr lang="en-US" sz="1200" dirty="0">
+              <a:solidFill>
+                <a:schemeClr val="tx1"/>
+              </a:solidFill>
+              <a:highlight>
+                <a:srgbClr val="FFFFFF"/>
+              </a:highlight>
+              <a:latin typeface="+mj-lt"/>
+              <a:ea typeface="Roboto"/>
+              <a:cs typeface="Roboto"/>
+              <a:sym typeface="Roboto"/>
+            </a:endParaRPr>
+          </a:p>
+          <a:p>
+            <a:r>
+              <a:rPr lang="en-US" dirty="0">
+                <a:solidFill>
+                  <a:schemeClr val="tx1"/>
+                </a:solidFill>
+              </a:rPr>
+              <a:t>&lt;form name="</a:t>
+            </a:r>
+            <a:r>
+              <a:rPr lang="en-US" dirty="0" err="1">
+                <a:solidFill>
+                  <a:schemeClr val="tx1"/>
+                </a:solidFill>
+              </a:rPr>
+              <a:t>myForm</a:t>
+            </a:r>
+            <a:r>
+              <a:rPr lang="en-US" dirty="0">
+                <a:solidFill>
+                  <a:schemeClr val="tx1"/>
+                </a:solidFill>
+              </a:rPr>
+              <a:t>" action="/</a:t>
+            </a:r>
+            <a:r>
+              <a:rPr lang="en-US" dirty="0" err="1">
+                <a:solidFill>
+                  <a:schemeClr val="tx1"/>
+                </a:solidFill>
+              </a:rPr>
+              <a:t>action_page.php</a:t>
+            </a:r>
+            <a:r>
+              <a:rPr lang="en-US" dirty="0">
+                <a:solidFill>
+                  <a:schemeClr val="tx1"/>
+                </a:solidFill>
+              </a:rPr>
+              <a:t>" </a:t>
+            </a:r>
+            <a:r>
+              <a:rPr lang="en-US" b="1" dirty="0" err="1">
+                <a:solidFill>
+                  <a:schemeClr val="tx1"/>
+                </a:solidFill>
+              </a:rPr>
+              <a:t>onsubmit</a:t>
+            </a:r>
+            <a:r>
+              <a:rPr lang="en-US" b="1" dirty="0">
+                <a:solidFill>
+                  <a:schemeClr val="tx1"/>
+                </a:solidFill>
+              </a:rPr>
+              <a:t>="return </a:t>
+            </a:r>
+            <a:r>
+              <a:rPr lang="en-US" b="1" dirty="0" err="1">
+                <a:solidFill>
+                  <a:schemeClr val="tx1"/>
+                </a:solidFill>
+              </a:rPr>
+              <a:t>validateForm</a:t>
+            </a:r>
+            <a:r>
+              <a:rPr lang="en-US" b="1" dirty="0">
+                <a:solidFill>
+                  <a:schemeClr val="tx1"/>
+                </a:solidFill>
+              </a:rPr>
+              <a:t>()"</a:t>
+            </a:r>
+            <a:r>
+              <a:rPr lang="en-US" dirty="0">
+                <a:solidFill>
+                  <a:schemeClr val="tx1"/>
+                </a:solidFill>
+              </a:rPr>
+              <a:t> method="post"&gt;</a:t>
+            </a:r>
+            <a:r>
+              <a:rPr lang="en-US" sz="1200" dirty="0">
+                <a:solidFill>
+                  <a:schemeClr val="tx1"/>
+                </a:solidFill>
+              </a:rPr>
+              <a:t/>
+            </a:r>
+            <a:br>
+              <a:rPr lang="en-US" sz="1200" dirty="0">
+                <a:solidFill>
+                  <a:schemeClr val="tx1"/>
+                </a:solidFill>
+              </a:rPr>
+            </a:br>
+            <a:r>
+              <a:rPr lang="en-US" dirty="0">
+                <a:solidFill>
+                  <a:schemeClr val="tx1"/>
+                </a:solidFill>
+              </a:rPr>
+              <a:t>Name: &lt;input type="text" name="</a:t>
+            </a:r>
+            <a:r>
+              <a:rPr lang="en-US" dirty="0" err="1">
+                <a:solidFill>
+                  <a:schemeClr val="tx1"/>
+                </a:solidFill>
+              </a:rPr>
+              <a:t>fname</a:t>
+            </a:r>
+            <a:r>
+              <a:rPr lang="en-US" dirty="0">
+                <a:solidFill>
+                  <a:schemeClr val="tx1"/>
+                </a:solidFill>
+              </a:rPr>
+              <a:t>"&gt;</a:t>
+            </a:r>
+            <a:r>
+              <a:rPr lang="en-US" sz="1200" dirty="0">
+                <a:solidFill>
+                  <a:schemeClr val="tx1"/>
+                </a:solidFill>
+              </a:rPr>
+              <a:t/>
+            </a:r>
+            <a:br>
+              <a:rPr lang="en-US" sz="1200" dirty="0">
+                <a:solidFill>
+                  <a:schemeClr val="tx1"/>
+                </a:solidFill>
+              </a:rPr>
+            </a:br>
+            <a:r>
+              <a:rPr lang="en-US" dirty="0">
+                <a:solidFill>
+                  <a:schemeClr val="tx1"/>
+                </a:solidFill>
+              </a:rPr>
+              <a:t>&lt;input type="submit" value="Submit"&gt;</a:t>
+            </a:r>
+            <a:r>
+              <a:rPr lang="en-US" sz="1200" dirty="0">
+                <a:solidFill>
+                  <a:schemeClr val="tx1"/>
+                </a:solidFill>
+              </a:rPr>
+              <a:t/>
+            </a:r>
+            <a:br>
+              <a:rPr lang="en-US" sz="1200" dirty="0">
+                <a:solidFill>
+                  <a:schemeClr val="tx1"/>
+                </a:solidFill>
+              </a:rPr>
+            </a:br>
+            <a:r>
+              <a:rPr lang="en-US" dirty="0">
+                <a:solidFill>
+                  <a:schemeClr val="tx1"/>
+                </a:solidFill>
+              </a:rPr>
+              <a:t>&lt;/form&gt;</a:t>
+            </a:r>
+            <a:endParaRPr lang="en-US" sz="1200" dirty="0">
+              <a:solidFill>
+                <a:schemeClr val="tx1"/>
+              </a:solidFill>
+              <a:highlight>
+                <a:srgbClr val="FFFFFF"/>
+              </a:highlight>
+              <a:latin typeface="+mj-lt"/>
+              <a:ea typeface="Roboto"/>
+              <a:cs typeface="Roboto"/>
+              <a:sym typeface="Roboto"/>
+            </a:endParaRPr>
+          </a:p>
+        </p:txBody>
+      </p:sp>
+    </p:spTree>
+    <p:extLst>
+      <p:ext uri="{BB962C8B-B14F-4D97-AF65-F5344CB8AC3E}">
+        <p14:creationId xmlns:p14="http://schemas.microsoft.com/office/powerpoint/2010/main" val="1988117450"/>
+      </p:ext>
+    </p:extLst>
+  </p:cSld>
+  <p:clrMapOvr>
+    <a:masterClrMapping/>
+  </p:clrMapOvr>
+  <p:timing>
+    <p:tnLst>
+      <p:par>
+        <p:cTn id="1" dur="indefinite" restart="never" nodeType="tmRoot"/>
+      </p:par>
+    </p:tnLst>
+  </p:timing>
+</p:sld>
+</file>
+
 <file path=ppt/slides/slide2.xml><?xml version="1.0" encoding="utf-8"?>
 <p:sld xmlns:a="http://schemas.openxmlformats.org/drawingml/2006/main" xmlns:r="http://schemas.openxmlformats.org/officeDocument/2006/relationships" xmlns:p="http://schemas.openxmlformats.org/presentationml/2006/main">
   <p:cSld>
@@ -8536,7 +12864,37 @@
                 <a:cs typeface="Roboto"/>
                 <a:sym typeface="Roboto"/>
               </a:rPr>
-              <a:t>function name(parameter1, parameter2, parameter3) {</a:t>
+              <a:t>function name(parameter1, parameter2, </a:t>
+            </a:r>
+            <a:r>
+              <a:rPr lang="en-US" dirty="0" smtClean="0">
+                <a:solidFill>
+                  <a:schemeClr val="tx1"/>
+                </a:solidFill>
+                <a:highlight>
+                  <a:srgbClr val="FFFFFF"/>
+                </a:highlight>
+                <a:latin typeface="Roboto"/>
+                <a:ea typeface="Roboto"/>
+                <a:cs typeface="Roboto"/>
+                <a:sym typeface="Roboto"/>
+              </a:rPr>
+              <a:t>parameter3…) </a:t>
+            </a:r>
+            <a:r>
+              <a:rPr lang="en-US" dirty="0">
+                <a:solidFill>
+                  <a:schemeClr val="tx1"/>
+                </a:solidFill>
+                <a:highlight>
+                  <a:srgbClr val="FFFFFF"/>
+                </a:highlight>
+                <a:latin typeface="Roboto"/>
+                <a:ea typeface="Roboto"/>
+                <a:cs typeface="Roboto"/>
+                <a:sym typeface="Roboto"/>
+              </a:rPr>
+              <a:t>{</a:t>
             </a:r>
           </a:p>
           <a:p>
@@ -9577,11 +13935,7 @@
             </a:r>
             <a:r>
               <a:rPr lang="en-US" sz="1200" b="1" dirty="0" smtClean="0"/>
-              <a:t>With Argument &amp; </a:t>
-            </a:r>
-            <a:r>
-              <a:rPr lang="en-US" sz="1200" b="1" dirty="0" smtClean="0"/>
-              <a:t>Return</a:t>
+              <a:t>With Argument &amp; Return</a:t>
             </a:r>
             <a:endParaRPr lang="en-US" sz="1200" b="1" dirty="0"/>
           </a:p>
@@ -9803,7 +14157,7 @@
           <a:graphicData uri="http://schemas.openxmlformats.org/presentationml/2006/ole">
             <mc:AlternateContent xmlns:mc="http://schemas.openxmlformats.org/markup-compatibility/2006">
               <mc:Choice xmlns:v="urn:schemas-microsoft-com:vml" Requires="v">
-                <p:oleObj spid="_x0000_s4102" name="Packager Shell Object" showAsIcon="1" r:id="rId4" imgW="1054440" imgH="685800" progId="Package">
+                <p:oleObj spid="_x0000_s4109" name="Packager Shell Object" showAsIcon="1" r:id="rId4" imgW="1054440" imgH="685800" progId="Package">
                   <p:embed/>
                 </p:oleObj>
               </mc:Choice>
